--- a/Files/Comms.pptx
+++ b/Files/Comms.pptx
@@ -3719,12 +3719,20 @@
           <a:p>
             <a:pPr algn="l"/>
             <a:r>
+              <a:rPr lang="fr-FR" dirty="0" err="1">
+                <a:solidFill>
+                  <a:schemeClr val="bg1"/>
+                </a:solidFill>
+              </a:rPr>
+              <a:t>Feasibility</a:t>
+            </a:r>
+            <a:r>
               <a:rPr lang="fr-FR" dirty="0">
                 <a:solidFill>
                   <a:schemeClr val="bg1"/>
                 </a:solidFill>
               </a:rPr>
-              <a:t>Phase A </a:t>
+              <a:t> </a:t>
             </a:r>
             <a:r>
               <a:rPr lang="fr-FR" dirty="0" err="1">
@@ -6642,8 +6650,13 @@
             </a:r>
             <a:r>
               <a:rPr lang="fr-FR" dirty="0"/>
-              <a:t> Singh - ISAE</a:t>
-            </a:r>
+              <a:t> Singh </a:t>
+            </a:r>
+            <a:r>
+              <a:rPr lang="fr-FR"/>
+              <a:t>– ISAE</a:t>
+            </a:r>
+            <a:endParaRPr lang="fr-FR" dirty="0"/>
           </a:p>
         </p:txBody>
       </p:sp>
@@ -6721,6 +6734,53 @@
           </a:p>
         </p:txBody>
       </p:sp>
+      <p:pic>
+        <p:nvPicPr>
+          <p:cNvPr id="1026" name="Picture 2" descr="RÃ©sultat de recherche d'images pour &quot;antenne artisanale ricorÃ©e&quot;">
+            <a:extLst>
+              <a:ext uri="{FF2B5EF4-FFF2-40B4-BE49-F238E27FC236}">
+                <a16:creationId xmlns:a16="http://schemas.microsoft.com/office/drawing/2014/main" id="{6EB6A754-41D0-4D13-B649-C91F539B94F5}"/>
+              </a:ext>
+            </a:extLst>
+          </p:cNvPr>
+          <p:cNvPicPr>
+            <a:picLocks noChangeAspect="1" noChangeArrowheads="1"/>
+          </p:cNvPicPr>
+          <p:nvPr/>
+        </p:nvPicPr>
+        <p:blipFill>
+          <a:blip r:embed="rId2">
+            <a:extLst>
+              <a:ext uri="{28A0092B-C50C-407E-A947-70E740481C1C}">
+                <a14:useLocalDpi xmlns:a14="http://schemas.microsoft.com/office/drawing/2010/main" val="0"/>
+              </a:ext>
+            </a:extLst>
+          </a:blip>
+          <a:srcRect/>
+          <a:stretch>
+            <a:fillRect/>
+          </a:stretch>
+        </p:blipFill>
+        <p:spPr bwMode="auto">
+          <a:xfrm>
+            <a:off x="4128116" y="892206"/>
+            <a:ext cx="3790765" cy="2843074"/>
+          </a:xfrm>
+          <a:prstGeom prst="rect">
+            <a:avLst/>
+          </a:prstGeom>
+          <a:noFill/>
+          <a:extLst>
+            <a:ext uri="{909E8E84-426E-40DD-AFC4-6F175D3DCCD1}">
+              <a14:hiddenFill xmlns:a14="http://schemas.microsoft.com/office/drawing/2010/main">
+                <a:solidFill>
+                  <a:srgbClr val="FFFFFF"/>
+                </a:solidFill>
+              </a14:hiddenFill>
+            </a:ext>
+          </a:extLst>
+        </p:spPr>
+      </p:pic>
     </p:spTree>
     <p:extLst>
       <p:ext uri="{BB962C8B-B14F-4D97-AF65-F5344CB8AC3E}">

--- a/Files/Comms.pptx
+++ b/Files/Comms.pptx
@@ -12,15 +12,15 @@
   </p:handoutMasterIdLst>
   <p:sldIdLst>
     <p:sldId id="267" r:id="rId2"/>
-    <p:sldId id="257" r:id="rId3"/>
-    <p:sldId id="258" r:id="rId4"/>
-    <p:sldId id="259" r:id="rId5"/>
-    <p:sldId id="260" r:id="rId6"/>
-    <p:sldId id="261" r:id="rId7"/>
-    <p:sldId id="262" r:id="rId8"/>
-    <p:sldId id="263" r:id="rId9"/>
-    <p:sldId id="264" r:id="rId10"/>
-    <p:sldId id="265" r:id="rId11"/>
+    <p:sldId id="258" r:id="rId3"/>
+    <p:sldId id="259" r:id="rId4"/>
+    <p:sldId id="260" r:id="rId5"/>
+    <p:sldId id="261" r:id="rId6"/>
+    <p:sldId id="262" r:id="rId7"/>
+    <p:sldId id="263" r:id="rId8"/>
+    <p:sldId id="264" r:id="rId9"/>
+    <p:sldId id="265" r:id="rId10"/>
+    <p:sldId id="268" r:id="rId11"/>
     <p:sldId id="266" r:id="rId12"/>
   </p:sldIdLst>
   <p:sldSz cx="12192000" cy="6858000"/>
@@ -225,7 +225,7 @@
           <a:p>
             <a:fld id="{4EED1B3A-46F9-49FD-AD10-AFD7DDBFFFE7}" type="datetimeFigureOut">
               <a:rPr lang="fr-FR" smtClean="0"/>
-              <a:t>27/05/2019</a:t>
+              <a:t>28/05/2019</a:t>
             </a:fld>
             <a:endParaRPr lang="fr-FR"/>
           </a:p>
@@ -303,7 +303,7 @@
           <a:p>
             <a:fld id="{0411A0C4-EEA3-4DD3-9096-2BCD621A3B05}" type="slidenum">
               <a:rPr lang="fr-FR" smtClean="0"/>
-              <a:t>‹#›</a:t>
+              <a:t>‹N°›</a:t>
             </a:fld>
             <a:endParaRPr lang="fr-FR"/>
           </a:p>
@@ -402,7 +402,7 @@
           <a:p>
             <a:fld id="{CBD02DE9-54A9-4CA7-91F3-710D21D0B6EC}" type="datetimeFigureOut">
               <a:rPr lang="en-US" smtClean="0"/>
-              <a:t>5/27/2019</a:t>
+              <a:t>5/28/2019</a:t>
             </a:fld>
             <a:endParaRPr lang="en-US" dirty="0"/>
           </a:p>
@@ -561,7 +561,7 @@
           <a:p>
             <a:fld id="{583A40C6-55FD-4582-9863-61F46F8DBC8D}" type="slidenum">
               <a:rPr lang="en-US" smtClean="0"/>
-              <a:t>‹#›</a:t>
+              <a:t>‹N°›</a:t>
             </a:fld>
             <a:endParaRPr lang="en-US" dirty="0"/>
           </a:p>
@@ -675,7 +675,7 @@
   <p:cSld>
     <p:spTree>
       <p:nvGrpSpPr>
-        <p:cNvPr id="1" name="Shape 84"/>
+        <p:cNvPr id="1" name="Shape 91"/>
         <p:cNvGrpSpPr/>
         <p:nvPr/>
       </p:nvGrpSpPr>
@@ -689,7 +689,7 @@
       </p:grpSpPr>
       <p:sp>
         <p:nvSpPr>
-          <p:cNvPr id="85" name="Google Shape;85;g5a849380b9_1_0:notes"/>
+          <p:cNvPr id="92" name="Google Shape;92;g5873c77624_0_12:notes"/>
           <p:cNvSpPr>
             <a:spLocks noGrp="1" noRot="1" noChangeAspect="1"/>
           </p:cNvSpPr>
@@ -730,7 +730,7 @@
       </p:sp>
       <p:sp>
         <p:nvSpPr>
-          <p:cNvPr id="86" name="Google Shape;86;g5a849380b9_1_0:notes"/>
+          <p:cNvPr id="93" name="Google Shape;93;g5873c77624_0_12:notes"/>
           <p:cNvSpPr txBox="1">
             <a:spLocks noGrp="1"/>
           </p:cNvSpPr>
@@ -774,7 +774,735 @@
 </p:notes>
 </file>
 
-<file path=ppt/notesSlides/notesSlide10.xml><?xml version="1.0" encoding="utf-8"?>
+<file path=ppt/notesSlides/notesSlide2.xml><?xml version="1.0" encoding="utf-8"?>
+<p:notes xmlns:a="http://schemas.openxmlformats.org/drawingml/2006/main" xmlns:r="http://schemas.openxmlformats.org/officeDocument/2006/relationships" xmlns:p="http://schemas.openxmlformats.org/presentationml/2006/main" showMasterSp="0" showMasterPhAnim="0">
+  <p:cSld>
+    <p:spTree>
+      <p:nvGrpSpPr>
+        <p:cNvPr id="1" name="Shape 98"/>
+        <p:cNvGrpSpPr/>
+        <p:nvPr/>
+      </p:nvGrpSpPr>
+      <p:grpSpPr>
+        <a:xfrm>
+          <a:off x="0" y="0"/>
+          <a:ext cx="0" cy="0"/>
+          <a:chOff x="0" y="0"/>
+          <a:chExt cx="0" cy="0"/>
+        </a:xfrm>
+      </p:grpSpPr>
+      <p:sp>
+        <p:nvSpPr>
+          <p:cNvPr id="99" name="Google Shape;99;g5873c777dc_0_0:notes"/>
+          <p:cNvSpPr>
+            <a:spLocks noGrp="1" noRot="1" noChangeAspect="1"/>
+          </p:cNvSpPr>
+          <p:nvPr>
+            <p:ph type="sldImg" idx="2"/>
+          </p:nvPr>
+        </p:nvSpPr>
+        <p:spPr>
+          <a:xfrm>
+            <a:off x="381000" y="685800"/>
+            <a:ext cx="6096000" cy="3429000"/>
+          </a:xfrm>
+          <a:custGeom>
+            <a:avLst/>
+            <a:gdLst/>
+            <a:ahLst/>
+            <a:cxnLst/>
+            <a:rect l="l" t="t" r="r" b="b"/>
+            <a:pathLst>
+              <a:path w="120000" h="120000" extrusionOk="0">
+                <a:moveTo>
+                  <a:pt x="0" y="0"/>
+                </a:moveTo>
+                <a:lnTo>
+                  <a:pt x="120000" y="0"/>
+                </a:lnTo>
+                <a:lnTo>
+                  <a:pt x="120000" y="120000"/>
+                </a:lnTo>
+                <a:lnTo>
+                  <a:pt x="0" y="120000"/>
+                </a:lnTo>
+                <a:close/>
+              </a:path>
+            </a:pathLst>
+          </a:custGeom>
+        </p:spPr>
+      </p:sp>
+      <p:sp>
+        <p:nvSpPr>
+          <p:cNvPr id="100" name="Google Shape;100;g5873c777dc_0_0:notes"/>
+          <p:cNvSpPr txBox="1">
+            <a:spLocks noGrp="1"/>
+          </p:cNvSpPr>
+          <p:nvPr>
+            <p:ph type="body" idx="1"/>
+          </p:nvPr>
+        </p:nvSpPr>
+        <p:spPr>
+          <a:xfrm>
+            <a:off x="685800" y="4343400"/>
+            <a:ext cx="5486400" cy="4114800"/>
+          </a:xfrm>
+          <a:prstGeom prst="rect">
+            <a:avLst/>
+          </a:prstGeom>
+        </p:spPr>
+        <p:txBody>
+          <a:bodyPr spcFirstLastPara="1" wrap="square" lIns="91425" tIns="91425" rIns="91425" bIns="91425" anchor="t" anchorCtr="0">
+            <a:noAutofit/>
+          </a:bodyPr>
+          <a:lstStyle/>
+          <a:p>
+            <a:pPr marL="0" lvl="0" indent="0" algn="l" rtl="0">
+              <a:spcBef>
+                <a:spcPts val="0"/>
+              </a:spcBef>
+              <a:spcAft>
+                <a:spcPts val="0"/>
+              </a:spcAft>
+              <a:buNone/>
+            </a:pPr>
+            <a:endParaRPr/>
+          </a:p>
+        </p:txBody>
+      </p:sp>
+    </p:spTree>
+  </p:cSld>
+  <p:clrMapOvr>
+    <a:masterClrMapping/>
+  </p:clrMapOvr>
+</p:notes>
+</file>
+
+<file path=ppt/notesSlides/notesSlide3.xml><?xml version="1.0" encoding="utf-8"?>
+<p:notes xmlns:a="http://schemas.openxmlformats.org/drawingml/2006/main" xmlns:r="http://schemas.openxmlformats.org/officeDocument/2006/relationships" xmlns:p="http://schemas.openxmlformats.org/presentationml/2006/main" showMasterSp="0" showMasterPhAnim="0">
+  <p:cSld>
+    <p:spTree>
+      <p:nvGrpSpPr>
+        <p:cNvPr id="1" name="Shape 114"/>
+        <p:cNvGrpSpPr/>
+        <p:nvPr/>
+      </p:nvGrpSpPr>
+      <p:grpSpPr>
+        <a:xfrm>
+          <a:off x="0" y="0"/>
+          <a:ext cx="0" cy="0"/>
+          <a:chOff x="0" y="0"/>
+          <a:chExt cx="0" cy="0"/>
+        </a:xfrm>
+      </p:grpSpPr>
+      <p:sp>
+        <p:nvSpPr>
+          <p:cNvPr id="115" name="Google Shape;115;g5873c777dc_0_16:notes"/>
+          <p:cNvSpPr>
+            <a:spLocks noGrp="1" noRot="1" noChangeAspect="1"/>
+          </p:cNvSpPr>
+          <p:nvPr>
+            <p:ph type="sldImg" idx="2"/>
+          </p:nvPr>
+        </p:nvSpPr>
+        <p:spPr>
+          <a:xfrm>
+            <a:off x="381000" y="685800"/>
+            <a:ext cx="6096000" cy="3429000"/>
+          </a:xfrm>
+          <a:custGeom>
+            <a:avLst/>
+            <a:gdLst/>
+            <a:ahLst/>
+            <a:cxnLst/>
+            <a:rect l="l" t="t" r="r" b="b"/>
+            <a:pathLst>
+              <a:path w="120000" h="120000" extrusionOk="0">
+                <a:moveTo>
+                  <a:pt x="0" y="0"/>
+                </a:moveTo>
+                <a:lnTo>
+                  <a:pt x="120000" y="0"/>
+                </a:lnTo>
+                <a:lnTo>
+                  <a:pt x="120000" y="120000"/>
+                </a:lnTo>
+                <a:lnTo>
+                  <a:pt x="0" y="120000"/>
+                </a:lnTo>
+                <a:close/>
+              </a:path>
+            </a:pathLst>
+          </a:custGeom>
+        </p:spPr>
+      </p:sp>
+      <p:sp>
+        <p:nvSpPr>
+          <p:cNvPr id="116" name="Google Shape;116;g5873c777dc_0_16:notes"/>
+          <p:cNvSpPr txBox="1">
+            <a:spLocks noGrp="1"/>
+          </p:cNvSpPr>
+          <p:nvPr>
+            <p:ph type="body" idx="1"/>
+          </p:nvPr>
+        </p:nvSpPr>
+        <p:spPr>
+          <a:xfrm>
+            <a:off x="685800" y="4343400"/>
+            <a:ext cx="5486400" cy="4114800"/>
+          </a:xfrm>
+          <a:prstGeom prst="rect">
+            <a:avLst/>
+          </a:prstGeom>
+        </p:spPr>
+        <p:txBody>
+          <a:bodyPr spcFirstLastPara="1" wrap="square" lIns="91425" tIns="91425" rIns="91425" bIns="91425" anchor="t" anchorCtr="0">
+            <a:noAutofit/>
+          </a:bodyPr>
+          <a:lstStyle/>
+          <a:p>
+            <a:pPr marL="0" lvl="0" indent="0" algn="l" rtl="0">
+              <a:spcBef>
+                <a:spcPts val="0"/>
+              </a:spcBef>
+              <a:spcAft>
+                <a:spcPts val="0"/>
+              </a:spcAft>
+              <a:buNone/>
+            </a:pPr>
+            <a:endParaRPr/>
+          </a:p>
+        </p:txBody>
+      </p:sp>
+    </p:spTree>
+  </p:cSld>
+  <p:clrMapOvr>
+    <a:masterClrMapping/>
+  </p:clrMapOvr>
+</p:notes>
+</file>
+
+<file path=ppt/notesSlides/notesSlide4.xml><?xml version="1.0" encoding="utf-8"?>
+<p:notes xmlns:a="http://schemas.openxmlformats.org/drawingml/2006/main" xmlns:r="http://schemas.openxmlformats.org/officeDocument/2006/relationships" xmlns:p="http://schemas.openxmlformats.org/presentationml/2006/main" showMasterSp="0" showMasterPhAnim="0">
+  <p:cSld>
+    <p:spTree>
+      <p:nvGrpSpPr>
+        <p:cNvPr id="1" name="Shape 126"/>
+        <p:cNvGrpSpPr/>
+        <p:nvPr/>
+      </p:nvGrpSpPr>
+      <p:grpSpPr>
+        <a:xfrm>
+          <a:off x="0" y="0"/>
+          <a:ext cx="0" cy="0"/>
+          <a:chOff x="0" y="0"/>
+          <a:chExt cx="0" cy="0"/>
+        </a:xfrm>
+      </p:grpSpPr>
+      <p:sp>
+        <p:nvSpPr>
+          <p:cNvPr id="127" name="Google Shape;127;g5875f45dcb_1_31:notes"/>
+          <p:cNvSpPr>
+            <a:spLocks noGrp="1" noRot="1" noChangeAspect="1"/>
+          </p:cNvSpPr>
+          <p:nvPr>
+            <p:ph type="sldImg" idx="2"/>
+          </p:nvPr>
+        </p:nvSpPr>
+        <p:spPr>
+          <a:xfrm>
+            <a:off x="381000" y="685800"/>
+            <a:ext cx="6096000" cy="3429000"/>
+          </a:xfrm>
+          <a:custGeom>
+            <a:avLst/>
+            <a:gdLst/>
+            <a:ahLst/>
+            <a:cxnLst/>
+            <a:rect l="l" t="t" r="r" b="b"/>
+            <a:pathLst>
+              <a:path w="120000" h="120000" extrusionOk="0">
+                <a:moveTo>
+                  <a:pt x="0" y="0"/>
+                </a:moveTo>
+                <a:lnTo>
+                  <a:pt x="120000" y="0"/>
+                </a:lnTo>
+                <a:lnTo>
+                  <a:pt x="120000" y="120000"/>
+                </a:lnTo>
+                <a:lnTo>
+                  <a:pt x="0" y="120000"/>
+                </a:lnTo>
+                <a:close/>
+              </a:path>
+            </a:pathLst>
+          </a:custGeom>
+        </p:spPr>
+      </p:sp>
+      <p:sp>
+        <p:nvSpPr>
+          <p:cNvPr id="128" name="Google Shape;128;g5875f45dcb_1_31:notes"/>
+          <p:cNvSpPr txBox="1">
+            <a:spLocks noGrp="1"/>
+          </p:cNvSpPr>
+          <p:nvPr>
+            <p:ph type="body" idx="1"/>
+          </p:nvPr>
+        </p:nvSpPr>
+        <p:spPr>
+          <a:xfrm>
+            <a:off x="685800" y="4343400"/>
+            <a:ext cx="5486400" cy="4114800"/>
+          </a:xfrm>
+          <a:prstGeom prst="rect">
+            <a:avLst/>
+          </a:prstGeom>
+        </p:spPr>
+        <p:txBody>
+          <a:bodyPr spcFirstLastPara="1" wrap="square" lIns="91425" tIns="91425" rIns="91425" bIns="91425" anchor="t" anchorCtr="0">
+            <a:noAutofit/>
+          </a:bodyPr>
+          <a:lstStyle/>
+          <a:p>
+            <a:pPr marL="0" lvl="0" indent="0" algn="l" rtl="0">
+              <a:spcBef>
+                <a:spcPts val="0"/>
+              </a:spcBef>
+              <a:spcAft>
+                <a:spcPts val="0"/>
+              </a:spcAft>
+              <a:buNone/>
+            </a:pPr>
+            <a:endParaRPr/>
+          </a:p>
+        </p:txBody>
+      </p:sp>
+    </p:spTree>
+  </p:cSld>
+  <p:clrMapOvr>
+    <a:masterClrMapping/>
+  </p:clrMapOvr>
+</p:notes>
+</file>
+
+<file path=ppt/notesSlides/notesSlide5.xml><?xml version="1.0" encoding="utf-8"?>
+<p:notes xmlns:a="http://schemas.openxmlformats.org/drawingml/2006/main" xmlns:r="http://schemas.openxmlformats.org/officeDocument/2006/relationships" xmlns:p="http://schemas.openxmlformats.org/presentationml/2006/main" showMasterSp="0" showMasterPhAnim="0">
+  <p:cSld>
+    <p:spTree>
+      <p:nvGrpSpPr>
+        <p:cNvPr id="1" name="Shape 133"/>
+        <p:cNvGrpSpPr/>
+        <p:nvPr/>
+      </p:nvGrpSpPr>
+      <p:grpSpPr>
+        <a:xfrm>
+          <a:off x="0" y="0"/>
+          <a:ext cx="0" cy="0"/>
+          <a:chOff x="0" y="0"/>
+          <a:chExt cx="0" cy="0"/>
+        </a:xfrm>
+      </p:grpSpPr>
+      <p:sp>
+        <p:nvSpPr>
+          <p:cNvPr id="134" name="Google Shape;134;g5875f45dcb_1_6:notes"/>
+          <p:cNvSpPr>
+            <a:spLocks noGrp="1" noRot="1" noChangeAspect="1"/>
+          </p:cNvSpPr>
+          <p:nvPr>
+            <p:ph type="sldImg" idx="2"/>
+          </p:nvPr>
+        </p:nvSpPr>
+        <p:spPr>
+          <a:xfrm>
+            <a:off x="381000" y="685800"/>
+            <a:ext cx="6096000" cy="3429000"/>
+          </a:xfrm>
+          <a:custGeom>
+            <a:avLst/>
+            <a:gdLst/>
+            <a:ahLst/>
+            <a:cxnLst/>
+            <a:rect l="l" t="t" r="r" b="b"/>
+            <a:pathLst>
+              <a:path w="120000" h="120000" extrusionOk="0">
+                <a:moveTo>
+                  <a:pt x="0" y="0"/>
+                </a:moveTo>
+                <a:lnTo>
+                  <a:pt x="120000" y="0"/>
+                </a:lnTo>
+                <a:lnTo>
+                  <a:pt x="120000" y="120000"/>
+                </a:lnTo>
+                <a:lnTo>
+                  <a:pt x="0" y="120000"/>
+                </a:lnTo>
+                <a:close/>
+              </a:path>
+            </a:pathLst>
+          </a:custGeom>
+        </p:spPr>
+      </p:sp>
+      <p:sp>
+        <p:nvSpPr>
+          <p:cNvPr id="135" name="Google Shape;135;g5875f45dcb_1_6:notes"/>
+          <p:cNvSpPr txBox="1">
+            <a:spLocks noGrp="1"/>
+          </p:cNvSpPr>
+          <p:nvPr>
+            <p:ph type="body" idx="1"/>
+          </p:nvPr>
+        </p:nvSpPr>
+        <p:spPr>
+          <a:xfrm>
+            <a:off x="685800" y="4343400"/>
+            <a:ext cx="5486400" cy="4114800"/>
+          </a:xfrm>
+          <a:prstGeom prst="rect">
+            <a:avLst/>
+          </a:prstGeom>
+        </p:spPr>
+        <p:txBody>
+          <a:bodyPr spcFirstLastPara="1" wrap="square" lIns="91425" tIns="91425" rIns="91425" bIns="91425" anchor="t" anchorCtr="0">
+            <a:noAutofit/>
+          </a:bodyPr>
+          <a:lstStyle/>
+          <a:p>
+            <a:pPr marL="0" lvl="0" indent="0" algn="l" rtl="0">
+              <a:spcBef>
+                <a:spcPts val="0"/>
+              </a:spcBef>
+              <a:spcAft>
+                <a:spcPts val="0"/>
+              </a:spcAft>
+              <a:buNone/>
+            </a:pPr>
+            <a:endParaRPr/>
+          </a:p>
+        </p:txBody>
+      </p:sp>
+    </p:spTree>
+  </p:cSld>
+  <p:clrMapOvr>
+    <a:masterClrMapping/>
+  </p:clrMapOvr>
+</p:notes>
+</file>
+
+<file path=ppt/notesSlides/notesSlide6.xml><?xml version="1.0" encoding="utf-8"?>
+<p:notes xmlns:a="http://schemas.openxmlformats.org/drawingml/2006/main" xmlns:r="http://schemas.openxmlformats.org/officeDocument/2006/relationships" xmlns:p="http://schemas.openxmlformats.org/presentationml/2006/main" showMasterSp="0" showMasterPhAnim="0">
+  <p:cSld>
+    <p:spTree>
+      <p:nvGrpSpPr>
+        <p:cNvPr id="1" name="Shape 142"/>
+        <p:cNvGrpSpPr/>
+        <p:nvPr/>
+      </p:nvGrpSpPr>
+      <p:grpSpPr>
+        <a:xfrm>
+          <a:off x="0" y="0"/>
+          <a:ext cx="0" cy="0"/>
+          <a:chOff x="0" y="0"/>
+          <a:chExt cx="0" cy="0"/>
+        </a:xfrm>
+      </p:grpSpPr>
+      <p:sp>
+        <p:nvSpPr>
+          <p:cNvPr id="143" name="Google Shape;143;g5875f45dcb_1_0:notes"/>
+          <p:cNvSpPr>
+            <a:spLocks noGrp="1" noRot="1" noChangeAspect="1"/>
+          </p:cNvSpPr>
+          <p:nvPr>
+            <p:ph type="sldImg" idx="2"/>
+          </p:nvPr>
+        </p:nvSpPr>
+        <p:spPr>
+          <a:xfrm>
+            <a:off x="381000" y="685800"/>
+            <a:ext cx="6096000" cy="3429000"/>
+          </a:xfrm>
+          <a:custGeom>
+            <a:avLst/>
+            <a:gdLst/>
+            <a:ahLst/>
+            <a:cxnLst/>
+            <a:rect l="l" t="t" r="r" b="b"/>
+            <a:pathLst>
+              <a:path w="120000" h="120000" extrusionOk="0">
+                <a:moveTo>
+                  <a:pt x="0" y="0"/>
+                </a:moveTo>
+                <a:lnTo>
+                  <a:pt x="120000" y="0"/>
+                </a:lnTo>
+                <a:lnTo>
+                  <a:pt x="120000" y="120000"/>
+                </a:lnTo>
+                <a:lnTo>
+                  <a:pt x="0" y="120000"/>
+                </a:lnTo>
+                <a:close/>
+              </a:path>
+            </a:pathLst>
+          </a:custGeom>
+        </p:spPr>
+      </p:sp>
+      <p:sp>
+        <p:nvSpPr>
+          <p:cNvPr id="144" name="Google Shape;144;g5875f45dcb_1_0:notes"/>
+          <p:cNvSpPr txBox="1">
+            <a:spLocks noGrp="1"/>
+          </p:cNvSpPr>
+          <p:nvPr>
+            <p:ph type="body" idx="1"/>
+          </p:nvPr>
+        </p:nvSpPr>
+        <p:spPr>
+          <a:xfrm>
+            <a:off x="685800" y="4343400"/>
+            <a:ext cx="5486400" cy="4114800"/>
+          </a:xfrm>
+          <a:prstGeom prst="rect">
+            <a:avLst/>
+          </a:prstGeom>
+        </p:spPr>
+        <p:txBody>
+          <a:bodyPr spcFirstLastPara="1" wrap="square" lIns="91425" tIns="91425" rIns="91425" bIns="91425" anchor="t" anchorCtr="0">
+            <a:noAutofit/>
+          </a:bodyPr>
+          <a:lstStyle/>
+          <a:p>
+            <a:pPr marL="0" lvl="0" indent="0" algn="l" rtl="0">
+              <a:spcBef>
+                <a:spcPts val="0"/>
+              </a:spcBef>
+              <a:spcAft>
+                <a:spcPts val="0"/>
+              </a:spcAft>
+              <a:buNone/>
+            </a:pPr>
+            <a:endParaRPr/>
+          </a:p>
+        </p:txBody>
+      </p:sp>
+    </p:spTree>
+  </p:cSld>
+  <p:clrMapOvr>
+    <a:masterClrMapping/>
+  </p:clrMapOvr>
+</p:notes>
+</file>
+
+<file path=ppt/notesSlides/notesSlide7.xml><?xml version="1.0" encoding="utf-8"?>
+<p:notes xmlns:a="http://schemas.openxmlformats.org/drawingml/2006/main" xmlns:r="http://schemas.openxmlformats.org/officeDocument/2006/relationships" xmlns:p="http://schemas.openxmlformats.org/presentationml/2006/main" showMasterSp="0" showMasterPhAnim="0">
+  <p:cSld>
+    <p:spTree>
+      <p:nvGrpSpPr>
+        <p:cNvPr id="1" name="Shape 149"/>
+        <p:cNvGrpSpPr/>
+        <p:nvPr/>
+      </p:nvGrpSpPr>
+      <p:grpSpPr>
+        <a:xfrm>
+          <a:off x="0" y="0"/>
+          <a:ext cx="0" cy="0"/>
+          <a:chOff x="0" y="0"/>
+          <a:chExt cx="0" cy="0"/>
+        </a:xfrm>
+      </p:grpSpPr>
+      <p:sp>
+        <p:nvSpPr>
+          <p:cNvPr id="150" name="Google Shape;150;g5875f45dcb_1_13:notes"/>
+          <p:cNvSpPr>
+            <a:spLocks noGrp="1" noRot="1" noChangeAspect="1"/>
+          </p:cNvSpPr>
+          <p:nvPr>
+            <p:ph type="sldImg" idx="2"/>
+          </p:nvPr>
+        </p:nvSpPr>
+        <p:spPr>
+          <a:xfrm>
+            <a:off x="381000" y="685800"/>
+            <a:ext cx="6096000" cy="3429000"/>
+          </a:xfrm>
+          <a:custGeom>
+            <a:avLst/>
+            <a:gdLst/>
+            <a:ahLst/>
+            <a:cxnLst/>
+            <a:rect l="l" t="t" r="r" b="b"/>
+            <a:pathLst>
+              <a:path w="120000" h="120000" extrusionOk="0">
+                <a:moveTo>
+                  <a:pt x="0" y="0"/>
+                </a:moveTo>
+                <a:lnTo>
+                  <a:pt x="120000" y="0"/>
+                </a:lnTo>
+                <a:lnTo>
+                  <a:pt x="120000" y="120000"/>
+                </a:lnTo>
+                <a:lnTo>
+                  <a:pt x="0" y="120000"/>
+                </a:lnTo>
+                <a:close/>
+              </a:path>
+            </a:pathLst>
+          </a:custGeom>
+        </p:spPr>
+      </p:sp>
+      <p:sp>
+        <p:nvSpPr>
+          <p:cNvPr id="151" name="Google Shape;151;g5875f45dcb_1_13:notes"/>
+          <p:cNvSpPr txBox="1">
+            <a:spLocks noGrp="1"/>
+          </p:cNvSpPr>
+          <p:nvPr>
+            <p:ph type="body" idx="1"/>
+          </p:nvPr>
+        </p:nvSpPr>
+        <p:spPr>
+          <a:xfrm>
+            <a:off x="685800" y="4343400"/>
+            <a:ext cx="5486400" cy="4114800"/>
+          </a:xfrm>
+          <a:prstGeom prst="rect">
+            <a:avLst/>
+          </a:prstGeom>
+        </p:spPr>
+        <p:txBody>
+          <a:bodyPr spcFirstLastPara="1" wrap="square" lIns="91425" tIns="91425" rIns="91425" bIns="91425" anchor="t" anchorCtr="0">
+            <a:noAutofit/>
+          </a:bodyPr>
+          <a:lstStyle/>
+          <a:p>
+            <a:pPr marL="0" lvl="0" indent="0" algn="l" rtl="0">
+              <a:spcBef>
+                <a:spcPts val="0"/>
+              </a:spcBef>
+              <a:spcAft>
+                <a:spcPts val="0"/>
+              </a:spcAft>
+              <a:buNone/>
+            </a:pPr>
+            <a:endParaRPr/>
+          </a:p>
+        </p:txBody>
+      </p:sp>
+    </p:spTree>
+  </p:cSld>
+  <p:clrMapOvr>
+    <a:masterClrMapping/>
+  </p:clrMapOvr>
+</p:notes>
+</file>
+
+<file path=ppt/notesSlides/notesSlide8.xml><?xml version="1.0" encoding="utf-8"?>
+<p:notes xmlns:a="http://schemas.openxmlformats.org/drawingml/2006/main" xmlns:r="http://schemas.openxmlformats.org/officeDocument/2006/relationships" xmlns:p="http://schemas.openxmlformats.org/presentationml/2006/main" showMasterSp="0" showMasterPhAnim="0">
+  <p:cSld>
+    <p:spTree>
+      <p:nvGrpSpPr>
+        <p:cNvPr id="1" name="Shape 159"/>
+        <p:cNvGrpSpPr/>
+        <p:nvPr/>
+      </p:nvGrpSpPr>
+      <p:grpSpPr>
+        <a:xfrm>
+          <a:off x="0" y="0"/>
+          <a:ext cx="0" cy="0"/>
+          <a:chOff x="0" y="0"/>
+          <a:chExt cx="0" cy="0"/>
+        </a:xfrm>
+      </p:grpSpPr>
+      <p:sp>
+        <p:nvSpPr>
+          <p:cNvPr id="160" name="Google Shape;160;g5875f45dcb_1_23:notes"/>
+          <p:cNvSpPr>
+            <a:spLocks noGrp="1" noRot="1" noChangeAspect="1"/>
+          </p:cNvSpPr>
+          <p:nvPr>
+            <p:ph type="sldImg" idx="2"/>
+          </p:nvPr>
+        </p:nvSpPr>
+        <p:spPr>
+          <a:xfrm>
+            <a:off x="381000" y="685800"/>
+            <a:ext cx="6096000" cy="3429000"/>
+          </a:xfrm>
+          <a:custGeom>
+            <a:avLst/>
+            <a:gdLst/>
+            <a:ahLst/>
+            <a:cxnLst/>
+            <a:rect l="l" t="t" r="r" b="b"/>
+            <a:pathLst>
+              <a:path w="120000" h="120000" extrusionOk="0">
+                <a:moveTo>
+                  <a:pt x="0" y="0"/>
+                </a:moveTo>
+                <a:lnTo>
+                  <a:pt x="120000" y="0"/>
+                </a:lnTo>
+                <a:lnTo>
+                  <a:pt x="120000" y="120000"/>
+                </a:lnTo>
+                <a:lnTo>
+                  <a:pt x="0" y="120000"/>
+                </a:lnTo>
+                <a:close/>
+              </a:path>
+            </a:pathLst>
+          </a:custGeom>
+        </p:spPr>
+      </p:sp>
+      <p:sp>
+        <p:nvSpPr>
+          <p:cNvPr id="161" name="Google Shape;161;g5875f45dcb_1_23:notes"/>
+          <p:cNvSpPr txBox="1">
+            <a:spLocks noGrp="1"/>
+          </p:cNvSpPr>
+          <p:nvPr>
+            <p:ph type="body" idx="1"/>
+          </p:nvPr>
+        </p:nvSpPr>
+        <p:spPr>
+          <a:xfrm>
+            <a:off x="685800" y="4343400"/>
+            <a:ext cx="5486400" cy="4114800"/>
+          </a:xfrm>
+          <a:prstGeom prst="rect">
+            <a:avLst/>
+          </a:prstGeom>
+        </p:spPr>
+        <p:txBody>
+          <a:bodyPr spcFirstLastPara="1" wrap="square" lIns="91425" tIns="91425" rIns="91425" bIns="91425" anchor="t" anchorCtr="0">
+            <a:noAutofit/>
+          </a:bodyPr>
+          <a:lstStyle/>
+          <a:p>
+            <a:pPr marL="0" lvl="0" indent="0" algn="l" rtl="0">
+              <a:spcBef>
+                <a:spcPts val="0"/>
+              </a:spcBef>
+              <a:spcAft>
+                <a:spcPts val="0"/>
+              </a:spcAft>
+              <a:buNone/>
+            </a:pPr>
+            <a:endParaRPr/>
+          </a:p>
+        </p:txBody>
+      </p:sp>
+    </p:spTree>
+  </p:cSld>
+  <p:clrMapOvr>
+    <a:masterClrMapping/>
+  </p:clrMapOvr>
+</p:notes>
+</file>
+
+<file path=ppt/notesSlides/notesSlide9.xml><?xml version="1.0" encoding="utf-8"?>
 <p:notes xmlns:a="http://schemas.openxmlformats.org/drawingml/2006/main" xmlns:r="http://schemas.openxmlformats.org/officeDocument/2006/relationships" xmlns:p="http://schemas.openxmlformats.org/presentationml/2006/main" showMasterSp="0" showMasterPhAnim="0">
   <p:cSld>
     <p:spTree>
@@ -835,838 +1563,6 @@
       <p:sp>
         <p:nvSpPr>
           <p:cNvPr id="169" name="Google Shape;169;g5873c77624_0_18:notes"/>
-          <p:cNvSpPr txBox="1">
-            <a:spLocks noGrp="1"/>
-          </p:cNvSpPr>
-          <p:nvPr>
-            <p:ph type="body" idx="1"/>
-          </p:nvPr>
-        </p:nvSpPr>
-        <p:spPr>
-          <a:xfrm>
-            <a:off x="685800" y="4343400"/>
-            <a:ext cx="5486400" cy="4114800"/>
-          </a:xfrm>
-          <a:prstGeom prst="rect">
-            <a:avLst/>
-          </a:prstGeom>
-        </p:spPr>
-        <p:txBody>
-          <a:bodyPr spcFirstLastPara="1" wrap="square" lIns="91425" tIns="91425" rIns="91425" bIns="91425" anchor="t" anchorCtr="0">
-            <a:noAutofit/>
-          </a:bodyPr>
-          <a:lstStyle/>
-          <a:p>
-            <a:pPr marL="0" lvl="0" indent="0" algn="l" rtl="0">
-              <a:spcBef>
-                <a:spcPts val="0"/>
-              </a:spcBef>
-              <a:spcAft>
-                <a:spcPts val="0"/>
-              </a:spcAft>
-              <a:buNone/>
-            </a:pPr>
-            <a:endParaRPr/>
-          </a:p>
-        </p:txBody>
-      </p:sp>
-    </p:spTree>
-  </p:cSld>
-  <p:clrMapOvr>
-    <a:masterClrMapping/>
-  </p:clrMapOvr>
-</p:notes>
-</file>
-
-<file path=ppt/notesSlides/notesSlide2.xml><?xml version="1.0" encoding="utf-8"?>
-<p:notes xmlns:a="http://schemas.openxmlformats.org/drawingml/2006/main" xmlns:r="http://schemas.openxmlformats.org/officeDocument/2006/relationships" xmlns:p="http://schemas.openxmlformats.org/presentationml/2006/main" showMasterSp="0" showMasterPhAnim="0">
-  <p:cSld>
-    <p:spTree>
-      <p:nvGrpSpPr>
-        <p:cNvPr id="1" name="Shape 91"/>
-        <p:cNvGrpSpPr/>
-        <p:nvPr/>
-      </p:nvGrpSpPr>
-      <p:grpSpPr>
-        <a:xfrm>
-          <a:off x="0" y="0"/>
-          <a:ext cx="0" cy="0"/>
-          <a:chOff x="0" y="0"/>
-          <a:chExt cx="0" cy="0"/>
-        </a:xfrm>
-      </p:grpSpPr>
-      <p:sp>
-        <p:nvSpPr>
-          <p:cNvPr id="92" name="Google Shape;92;g5873c77624_0_12:notes"/>
-          <p:cNvSpPr>
-            <a:spLocks noGrp="1" noRot="1" noChangeAspect="1"/>
-          </p:cNvSpPr>
-          <p:nvPr>
-            <p:ph type="sldImg" idx="2"/>
-          </p:nvPr>
-        </p:nvSpPr>
-        <p:spPr>
-          <a:xfrm>
-            <a:off x="381000" y="685800"/>
-            <a:ext cx="6096000" cy="3429000"/>
-          </a:xfrm>
-          <a:custGeom>
-            <a:avLst/>
-            <a:gdLst/>
-            <a:ahLst/>
-            <a:cxnLst/>
-            <a:rect l="l" t="t" r="r" b="b"/>
-            <a:pathLst>
-              <a:path w="120000" h="120000" extrusionOk="0">
-                <a:moveTo>
-                  <a:pt x="0" y="0"/>
-                </a:moveTo>
-                <a:lnTo>
-                  <a:pt x="120000" y="0"/>
-                </a:lnTo>
-                <a:lnTo>
-                  <a:pt x="120000" y="120000"/>
-                </a:lnTo>
-                <a:lnTo>
-                  <a:pt x="0" y="120000"/>
-                </a:lnTo>
-                <a:close/>
-              </a:path>
-            </a:pathLst>
-          </a:custGeom>
-        </p:spPr>
-      </p:sp>
-      <p:sp>
-        <p:nvSpPr>
-          <p:cNvPr id="93" name="Google Shape;93;g5873c77624_0_12:notes"/>
-          <p:cNvSpPr txBox="1">
-            <a:spLocks noGrp="1"/>
-          </p:cNvSpPr>
-          <p:nvPr>
-            <p:ph type="body" idx="1"/>
-          </p:nvPr>
-        </p:nvSpPr>
-        <p:spPr>
-          <a:xfrm>
-            <a:off x="685800" y="4343400"/>
-            <a:ext cx="5486400" cy="4114800"/>
-          </a:xfrm>
-          <a:prstGeom prst="rect">
-            <a:avLst/>
-          </a:prstGeom>
-        </p:spPr>
-        <p:txBody>
-          <a:bodyPr spcFirstLastPara="1" wrap="square" lIns="91425" tIns="91425" rIns="91425" bIns="91425" anchor="t" anchorCtr="0">
-            <a:noAutofit/>
-          </a:bodyPr>
-          <a:lstStyle/>
-          <a:p>
-            <a:pPr marL="0" lvl="0" indent="0" algn="l" rtl="0">
-              <a:spcBef>
-                <a:spcPts val="0"/>
-              </a:spcBef>
-              <a:spcAft>
-                <a:spcPts val="0"/>
-              </a:spcAft>
-              <a:buNone/>
-            </a:pPr>
-            <a:endParaRPr/>
-          </a:p>
-        </p:txBody>
-      </p:sp>
-    </p:spTree>
-  </p:cSld>
-  <p:clrMapOvr>
-    <a:masterClrMapping/>
-  </p:clrMapOvr>
-</p:notes>
-</file>
-
-<file path=ppt/notesSlides/notesSlide3.xml><?xml version="1.0" encoding="utf-8"?>
-<p:notes xmlns:a="http://schemas.openxmlformats.org/drawingml/2006/main" xmlns:r="http://schemas.openxmlformats.org/officeDocument/2006/relationships" xmlns:p="http://schemas.openxmlformats.org/presentationml/2006/main" showMasterSp="0" showMasterPhAnim="0">
-  <p:cSld>
-    <p:spTree>
-      <p:nvGrpSpPr>
-        <p:cNvPr id="1" name="Shape 98"/>
-        <p:cNvGrpSpPr/>
-        <p:nvPr/>
-      </p:nvGrpSpPr>
-      <p:grpSpPr>
-        <a:xfrm>
-          <a:off x="0" y="0"/>
-          <a:ext cx="0" cy="0"/>
-          <a:chOff x="0" y="0"/>
-          <a:chExt cx="0" cy="0"/>
-        </a:xfrm>
-      </p:grpSpPr>
-      <p:sp>
-        <p:nvSpPr>
-          <p:cNvPr id="99" name="Google Shape;99;g5873c777dc_0_0:notes"/>
-          <p:cNvSpPr>
-            <a:spLocks noGrp="1" noRot="1" noChangeAspect="1"/>
-          </p:cNvSpPr>
-          <p:nvPr>
-            <p:ph type="sldImg" idx="2"/>
-          </p:nvPr>
-        </p:nvSpPr>
-        <p:spPr>
-          <a:xfrm>
-            <a:off x="381000" y="685800"/>
-            <a:ext cx="6096000" cy="3429000"/>
-          </a:xfrm>
-          <a:custGeom>
-            <a:avLst/>
-            <a:gdLst/>
-            <a:ahLst/>
-            <a:cxnLst/>
-            <a:rect l="l" t="t" r="r" b="b"/>
-            <a:pathLst>
-              <a:path w="120000" h="120000" extrusionOk="0">
-                <a:moveTo>
-                  <a:pt x="0" y="0"/>
-                </a:moveTo>
-                <a:lnTo>
-                  <a:pt x="120000" y="0"/>
-                </a:lnTo>
-                <a:lnTo>
-                  <a:pt x="120000" y="120000"/>
-                </a:lnTo>
-                <a:lnTo>
-                  <a:pt x="0" y="120000"/>
-                </a:lnTo>
-                <a:close/>
-              </a:path>
-            </a:pathLst>
-          </a:custGeom>
-        </p:spPr>
-      </p:sp>
-      <p:sp>
-        <p:nvSpPr>
-          <p:cNvPr id="100" name="Google Shape;100;g5873c777dc_0_0:notes"/>
-          <p:cNvSpPr txBox="1">
-            <a:spLocks noGrp="1"/>
-          </p:cNvSpPr>
-          <p:nvPr>
-            <p:ph type="body" idx="1"/>
-          </p:nvPr>
-        </p:nvSpPr>
-        <p:spPr>
-          <a:xfrm>
-            <a:off x="685800" y="4343400"/>
-            <a:ext cx="5486400" cy="4114800"/>
-          </a:xfrm>
-          <a:prstGeom prst="rect">
-            <a:avLst/>
-          </a:prstGeom>
-        </p:spPr>
-        <p:txBody>
-          <a:bodyPr spcFirstLastPara="1" wrap="square" lIns="91425" tIns="91425" rIns="91425" bIns="91425" anchor="t" anchorCtr="0">
-            <a:noAutofit/>
-          </a:bodyPr>
-          <a:lstStyle/>
-          <a:p>
-            <a:pPr marL="0" lvl="0" indent="0" algn="l" rtl="0">
-              <a:spcBef>
-                <a:spcPts val="0"/>
-              </a:spcBef>
-              <a:spcAft>
-                <a:spcPts val="0"/>
-              </a:spcAft>
-              <a:buNone/>
-            </a:pPr>
-            <a:endParaRPr/>
-          </a:p>
-        </p:txBody>
-      </p:sp>
-    </p:spTree>
-  </p:cSld>
-  <p:clrMapOvr>
-    <a:masterClrMapping/>
-  </p:clrMapOvr>
-</p:notes>
-</file>
-
-<file path=ppt/notesSlides/notesSlide4.xml><?xml version="1.0" encoding="utf-8"?>
-<p:notes xmlns:a="http://schemas.openxmlformats.org/drawingml/2006/main" xmlns:r="http://schemas.openxmlformats.org/officeDocument/2006/relationships" xmlns:p="http://schemas.openxmlformats.org/presentationml/2006/main" showMasterSp="0" showMasterPhAnim="0">
-  <p:cSld>
-    <p:spTree>
-      <p:nvGrpSpPr>
-        <p:cNvPr id="1" name="Shape 114"/>
-        <p:cNvGrpSpPr/>
-        <p:nvPr/>
-      </p:nvGrpSpPr>
-      <p:grpSpPr>
-        <a:xfrm>
-          <a:off x="0" y="0"/>
-          <a:ext cx="0" cy="0"/>
-          <a:chOff x="0" y="0"/>
-          <a:chExt cx="0" cy="0"/>
-        </a:xfrm>
-      </p:grpSpPr>
-      <p:sp>
-        <p:nvSpPr>
-          <p:cNvPr id="115" name="Google Shape;115;g5873c777dc_0_16:notes"/>
-          <p:cNvSpPr>
-            <a:spLocks noGrp="1" noRot="1" noChangeAspect="1"/>
-          </p:cNvSpPr>
-          <p:nvPr>
-            <p:ph type="sldImg" idx="2"/>
-          </p:nvPr>
-        </p:nvSpPr>
-        <p:spPr>
-          <a:xfrm>
-            <a:off x="381000" y="685800"/>
-            <a:ext cx="6096000" cy="3429000"/>
-          </a:xfrm>
-          <a:custGeom>
-            <a:avLst/>
-            <a:gdLst/>
-            <a:ahLst/>
-            <a:cxnLst/>
-            <a:rect l="l" t="t" r="r" b="b"/>
-            <a:pathLst>
-              <a:path w="120000" h="120000" extrusionOk="0">
-                <a:moveTo>
-                  <a:pt x="0" y="0"/>
-                </a:moveTo>
-                <a:lnTo>
-                  <a:pt x="120000" y="0"/>
-                </a:lnTo>
-                <a:lnTo>
-                  <a:pt x="120000" y="120000"/>
-                </a:lnTo>
-                <a:lnTo>
-                  <a:pt x="0" y="120000"/>
-                </a:lnTo>
-                <a:close/>
-              </a:path>
-            </a:pathLst>
-          </a:custGeom>
-        </p:spPr>
-      </p:sp>
-      <p:sp>
-        <p:nvSpPr>
-          <p:cNvPr id="116" name="Google Shape;116;g5873c777dc_0_16:notes"/>
-          <p:cNvSpPr txBox="1">
-            <a:spLocks noGrp="1"/>
-          </p:cNvSpPr>
-          <p:nvPr>
-            <p:ph type="body" idx="1"/>
-          </p:nvPr>
-        </p:nvSpPr>
-        <p:spPr>
-          <a:xfrm>
-            <a:off x="685800" y="4343400"/>
-            <a:ext cx="5486400" cy="4114800"/>
-          </a:xfrm>
-          <a:prstGeom prst="rect">
-            <a:avLst/>
-          </a:prstGeom>
-        </p:spPr>
-        <p:txBody>
-          <a:bodyPr spcFirstLastPara="1" wrap="square" lIns="91425" tIns="91425" rIns="91425" bIns="91425" anchor="t" anchorCtr="0">
-            <a:noAutofit/>
-          </a:bodyPr>
-          <a:lstStyle/>
-          <a:p>
-            <a:pPr marL="0" lvl="0" indent="0" algn="l" rtl="0">
-              <a:spcBef>
-                <a:spcPts val="0"/>
-              </a:spcBef>
-              <a:spcAft>
-                <a:spcPts val="0"/>
-              </a:spcAft>
-              <a:buNone/>
-            </a:pPr>
-            <a:endParaRPr/>
-          </a:p>
-        </p:txBody>
-      </p:sp>
-    </p:spTree>
-  </p:cSld>
-  <p:clrMapOvr>
-    <a:masterClrMapping/>
-  </p:clrMapOvr>
-</p:notes>
-</file>
-
-<file path=ppt/notesSlides/notesSlide5.xml><?xml version="1.0" encoding="utf-8"?>
-<p:notes xmlns:a="http://schemas.openxmlformats.org/drawingml/2006/main" xmlns:r="http://schemas.openxmlformats.org/officeDocument/2006/relationships" xmlns:p="http://schemas.openxmlformats.org/presentationml/2006/main" showMasterSp="0" showMasterPhAnim="0">
-  <p:cSld>
-    <p:spTree>
-      <p:nvGrpSpPr>
-        <p:cNvPr id="1" name="Shape 126"/>
-        <p:cNvGrpSpPr/>
-        <p:nvPr/>
-      </p:nvGrpSpPr>
-      <p:grpSpPr>
-        <a:xfrm>
-          <a:off x="0" y="0"/>
-          <a:ext cx="0" cy="0"/>
-          <a:chOff x="0" y="0"/>
-          <a:chExt cx="0" cy="0"/>
-        </a:xfrm>
-      </p:grpSpPr>
-      <p:sp>
-        <p:nvSpPr>
-          <p:cNvPr id="127" name="Google Shape;127;g5875f45dcb_1_31:notes"/>
-          <p:cNvSpPr>
-            <a:spLocks noGrp="1" noRot="1" noChangeAspect="1"/>
-          </p:cNvSpPr>
-          <p:nvPr>
-            <p:ph type="sldImg" idx="2"/>
-          </p:nvPr>
-        </p:nvSpPr>
-        <p:spPr>
-          <a:xfrm>
-            <a:off x="381000" y="685800"/>
-            <a:ext cx="6096000" cy="3429000"/>
-          </a:xfrm>
-          <a:custGeom>
-            <a:avLst/>
-            <a:gdLst/>
-            <a:ahLst/>
-            <a:cxnLst/>
-            <a:rect l="l" t="t" r="r" b="b"/>
-            <a:pathLst>
-              <a:path w="120000" h="120000" extrusionOk="0">
-                <a:moveTo>
-                  <a:pt x="0" y="0"/>
-                </a:moveTo>
-                <a:lnTo>
-                  <a:pt x="120000" y="0"/>
-                </a:lnTo>
-                <a:lnTo>
-                  <a:pt x="120000" y="120000"/>
-                </a:lnTo>
-                <a:lnTo>
-                  <a:pt x="0" y="120000"/>
-                </a:lnTo>
-                <a:close/>
-              </a:path>
-            </a:pathLst>
-          </a:custGeom>
-        </p:spPr>
-      </p:sp>
-      <p:sp>
-        <p:nvSpPr>
-          <p:cNvPr id="128" name="Google Shape;128;g5875f45dcb_1_31:notes"/>
-          <p:cNvSpPr txBox="1">
-            <a:spLocks noGrp="1"/>
-          </p:cNvSpPr>
-          <p:nvPr>
-            <p:ph type="body" idx="1"/>
-          </p:nvPr>
-        </p:nvSpPr>
-        <p:spPr>
-          <a:xfrm>
-            <a:off x="685800" y="4343400"/>
-            <a:ext cx="5486400" cy="4114800"/>
-          </a:xfrm>
-          <a:prstGeom prst="rect">
-            <a:avLst/>
-          </a:prstGeom>
-        </p:spPr>
-        <p:txBody>
-          <a:bodyPr spcFirstLastPara="1" wrap="square" lIns="91425" tIns="91425" rIns="91425" bIns="91425" anchor="t" anchorCtr="0">
-            <a:noAutofit/>
-          </a:bodyPr>
-          <a:lstStyle/>
-          <a:p>
-            <a:pPr marL="0" lvl="0" indent="0" algn="l" rtl="0">
-              <a:spcBef>
-                <a:spcPts val="0"/>
-              </a:spcBef>
-              <a:spcAft>
-                <a:spcPts val="0"/>
-              </a:spcAft>
-              <a:buNone/>
-            </a:pPr>
-            <a:endParaRPr/>
-          </a:p>
-        </p:txBody>
-      </p:sp>
-    </p:spTree>
-  </p:cSld>
-  <p:clrMapOvr>
-    <a:masterClrMapping/>
-  </p:clrMapOvr>
-</p:notes>
-</file>
-
-<file path=ppt/notesSlides/notesSlide6.xml><?xml version="1.0" encoding="utf-8"?>
-<p:notes xmlns:a="http://schemas.openxmlformats.org/drawingml/2006/main" xmlns:r="http://schemas.openxmlformats.org/officeDocument/2006/relationships" xmlns:p="http://schemas.openxmlformats.org/presentationml/2006/main" showMasterSp="0" showMasterPhAnim="0">
-  <p:cSld>
-    <p:spTree>
-      <p:nvGrpSpPr>
-        <p:cNvPr id="1" name="Shape 133"/>
-        <p:cNvGrpSpPr/>
-        <p:nvPr/>
-      </p:nvGrpSpPr>
-      <p:grpSpPr>
-        <a:xfrm>
-          <a:off x="0" y="0"/>
-          <a:ext cx="0" cy="0"/>
-          <a:chOff x="0" y="0"/>
-          <a:chExt cx="0" cy="0"/>
-        </a:xfrm>
-      </p:grpSpPr>
-      <p:sp>
-        <p:nvSpPr>
-          <p:cNvPr id="134" name="Google Shape;134;g5875f45dcb_1_6:notes"/>
-          <p:cNvSpPr>
-            <a:spLocks noGrp="1" noRot="1" noChangeAspect="1"/>
-          </p:cNvSpPr>
-          <p:nvPr>
-            <p:ph type="sldImg" idx="2"/>
-          </p:nvPr>
-        </p:nvSpPr>
-        <p:spPr>
-          <a:xfrm>
-            <a:off x="381000" y="685800"/>
-            <a:ext cx="6096000" cy="3429000"/>
-          </a:xfrm>
-          <a:custGeom>
-            <a:avLst/>
-            <a:gdLst/>
-            <a:ahLst/>
-            <a:cxnLst/>
-            <a:rect l="l" t="t" r="r" b="b"/>
-            <a:pathLst>
-              <a:path w="120000" h="120000" extrusionOk="0">
-                <a:moveTo>
-                  <a:pt x="0" y="0"/>
-                </a:moveTo>
-                <a:lnTo>
-                  <a:pt x="120000" y="0"/>
-                </a:lnTo>
-                <a:lnTo>
-                  <a:pt x="120000" y="120000"/>
-                </a:lnTo>
-                <a:lnTo>
-                  <a:pt x="0" y="120000"/>
-                </a:lnTo>
-                <a:close/>
-              </a:path>
-            </a:pathLst>
-          </a:custGeom>
-        </p:spPr>
-      </p:sp>
-      <p:sp>
-        <p:nvSpPr>
-          <p:cNvPr id="135" name="Google Shape;135;g5875f45dcb_1_6:notes"/>
-          <p:cNvSpPr txBox="1">
-            <a:spLocks noGrp="1"/>
-          </p:cNvSpPr>
-          <p:nvPr>
-            <p:ph type="body" idx="1"/>
-          </p:nvPr>
-        </p:nvSpPr>
-        <p:spPr>
-          <a:xfrm>
-            <a:off x="685800" y="4343400"/>
-            <a:ext cx="5486400" cy="4114800"/>
-          </a:xfrm>
-          <a:prstGeom prst="rect">
-            <a:avLst/>
-          </a:prstGeom>
-        </p:spPr>
-        <p:txBody>
-          <a:bodyPr spcFirstLastPara="1" wrap="square" lIns="91425" tIns="91425" rIns="91425" bIns="91425" anchor="t" anchorCtr="0">
-            <a:noAutofit/>
-          </a:bodyPr>
-          <a:lstStyle/>
-          <a:p>
-            <a:pPr marL="0" lvl="0" indent="0" algn="l" rtl="0">
-              <a:spcBef>
-                <a:spcPts val="0"/>
-              </a:spcBef>
-              <a:spcAft>
-                <a:spcPts val="0"/>
-              </a:spcAft>
-              <a:buNone/>
-            </a:pPr>
-            <a:endParaRPr/>
-          </a:p>
-        </p:txBody>
-      </p:sp>
-    </p:spTree>
-  </p:cSld>
-  <p:clrMapOvr>
-    <a:masterClrMapping/>
-  </p:clrMapOvr>
-</p:notes>
-</file>
-
-<file path=ppt/notesSlides/notesSlide7.xml><?xml version="1.0" encoding="utf-8"?>
-<p:notes xmlns:a="http://schemas.openxmlformats.org/drawingml/2006/main" xmlns:r="http://schemas.openxmlformats.org/officeDocument/2006/relationships" xmlns:p="http://schemas.openxmlformats.org/presentationml/2006/main" showMasterSp="0" showMasterPhAnim="0">
-  <p:cSld>
-    <p:spTree>
-      <p:nvGrpSpPr>
-        <p:cNvPr id="1" name="Shape 142"/>
-        <p:cNvGrpSpPr/>
-        <p:nvPr/>
-      </p:nvGrpSpPr>
-      <p:grpSpPr>
-        <a:xfrm>
-          <a:off x="0" y="0"/>
-          <a:ext cx="0" cy="0"/>
-          <a:chOff x="0" y="0"/>
-          <a:chExt cx="0" cy="0"/>
-        </a:xfrm>
-      </p:grpSpPr>
-      <p:sp>
-        <p:nvSpPr>
-          <p:cNvPr id="143" name="Google Shape;143;g5875f45dcb_1_0:notes"/>
-          <p:cNvSpPr>
-            <a:spLocks noGrp="1" noRot="1" noChangeAspect="1"/>
-          </p:cNvSpPr>
-          <p:nvPr>
-            <p:ph type="sldImg" idx="2"/>
-          </p:nvPr>
-        </p:nvSpPr>
-        <p:spPr>
-          <a:xfrm>
-            <a:off x="381000" y="685800"/>
-            <a:ext cx="6096000" cy="3429000"/>
-          </a:xfrm>
-          <a:custGeom>
-            <a:avLst/>
-            <a:gdLst/>
-            <a:ahLst/>
-            <a:cxnLst/>
-            <a:rect l="l" t="t" r="r" b="b"/>
-            <a:pathLst>
-              <a:path w="120000" h="120000" extrusionOk="0">
-                <a:moveTo>
-                  <a:pt x="0" y="0"/>
-                </a:moveTo>
-                <a:lnTo>
-                  <a:pt x="120000" y="0"/>
-                </a:lnTo>
-                <a:lnTo>
-                  <a:pt x="120000" y="120000"/>
-                </a:lnTo>
-                <a:lnTo>
-                  <a:pt x="0" y="120000"/>
-                </a:lnTo>
-                <a:close/>
-              </a:path>
-            </a:pathLst>
-          </a:custGeom>
-        </p:spPr>
-      </p:sp>
-      <p:sp>
-        <p:nvSpPr>
-          <p:cNvPr id="144" name="Google Shape;144;g5875f45dcb_1_0:notes"/>
-          <p:cNvSpPr txBox="1">
-            <a:spLocks noGrp="1"/>
-          </p:cNvSpPr>
-          <p:nvPr>
-            <p:ph type="body" idx="1"/>
-          </p:nvPr>
-        </p:nvSpPr>
-        <p:spPr>
-          <a:xfrm>
-            <a:off x="685800" y="4343400"/>
-            <a:ext cx="5486400" cy="4114800"/>
-          </a:xfrm>
-          <a:prstGeom prst="rect">
-            <a:avLst/>
-          </a:prstGeom>
-        </p:spPr>
-        <p:txBody>
-          <a:bodyPr spcFirstLastPara="1" wrap="square" lIns="91425" tIns="91425" rIns="91425" bIns="91425" anchor="t" anchorCtr="0">
-            <a:noAutofit/>
-          </a:bodyPr>
-          <a:lstStyle/>
-          <a:p>
-            <a:pPr marL="0" lvl="0" indent="0" algn="l" rtl="0">
-              <a:spcBef>
-                <a:spcPts val="0"/>
-              </a:spcBef>
-              <a:spcAft>
-                <a:spcPts val="0"/>
-              </a:spcAft>
-              <a:buNone/>
-            </a:pPr>
-            <a:endParaRPr/>
-          </a:p>
-        </p:txBody>
-      </p:sp>
-    </p:spTree>
-  </p:cSld>
-  <p:clrMapOvr>
-    <a:masterClrMapping/>
-  </p:clrMapOvr>
-</p:notes>
-</file>
-
-<file path=ppt/notesSlides/notesSlide8.xml><?xml version="1.0" encoding="utf-8"?>
-<p:notes xmlns:a="http://schemas.openxmlformats.org/drawingml/2006/main" xmlns:r="http://schemas.openxmlformats.org/officeDocument/2006/relationships" xmlns:p="http://schemas.openxmlformats.org/presentationml/2006/main" showMasterSp="0" showMasterPhAnim="0">
-  <p:cSld>
-    <p:spTree>
-      <p:nvGrpSpPr>
-        <p:cNvPr id="1" name="Shape 149"/>
-        <p:cNvGrpSpPr/>
-        <p:nvPr/>
-      </p:nvGrpSpPr>
-      <p:grpSpPr>
-        <a:xfrm>
-          <a:off x="0" y="0"/>
-          <a:ext cx="0" cy="0"/>
-          <a:chOff x="0" y="0"/>
-          <a:chExt cx="0" cy="0"/>
-        </a:xfrm>
-      </p:grpSpPr>
-      <p:sp>
-        <p:nvSpPr>
-          <p:cNvPr id="150" name="Google Shape;150;g5875f45dcb_1_13:notes"/>
-          <p:cNvSpPr>
-            <a:spLocks noGrp="1" noRot="1" noChangeAspect="1"/>
-          </p:cNvSpPr>
-          <p:nvPr>
-            <p:ph type="sldImg" idx="2"/>
-          </p:nvPr>
-        </p:nvSpPr>
-        <p:spPr>
-          <a:xfrm>
-            <a:off x="381000" y="685800"/>
-            <a:ext cx="6096000" cy="3429000"/>
-          </a:xfrm>
-          <a:custGeom>
-            <a:avLst/>
-            <a:gdLst/>
-            <a:ahLst/>
-            <a:cxnLst/>
-            <a:rect l="l" t="t" r="r" b="b"/>
-            <a:pathLst>
-              <a:path w="120000" h="120000" extrusionOk="0">
-                <a:moveTo>
-                  <a:pt x="0" y="0"/>
-                </a:moveTo>
-                <a:lnTo>
-                  <a:pt x="120000" y="0"/>
-                </a:lnTo>
-                <a:lnTo>
-                  <a:pt x="120000" y="120000"/>
-                </a:lnTo>
-                <a:lnTo>
-                  <a:pt x="0" y="120000"/>
-                </a:lnTo>
-                <a:close/>
-              </a:path>
-            </a:pathLst>
-          </a:custGeom>
-        </p:spPr>
-      </p:sp>
-      <p:sp>
-        <p:nvSpPr>
-          <p:cNvPr id="151" name="Google Shape;151;g5875f45dcb_1_13:notes"/>
-          <p:cNvSpPr txBox="1">
-            <a:spLocks noGrp="1"/>
-          </p:cNvSpPr>
-          <p:nvPr>
-            <p:ph type="body" idx="1"/>
-          </p:nvPr>
-        </p:nvSpPr>
-        <p:spPr>
-          <a:xfrm>
-            <a:off x="685800" y="4343400"/>
-            <a:ext cx="5486400" cy="4114800"/>
-          </a:xfrm>
-          <a:prstGeom prst="rect">
-            <a:avLst/>
-          </a:prstGeom>
-        </p:spPr>
-        <p:txBody>
-          <a:bodyPr spcFirstLastPara="1" wrap="square" lIns="91425" tIns="91425" rIns="91425" bIns="91425" anchor="t" anchorCtr="0">
-            <a:noAutofit/>
-          </a:bodyPr>
-          <a:lstStyle/>
-          <a:p>
-            <a:pPr marL="0" lvl="0" indent="0" algn="l" rtl="0">
-              <a:spcBef>
-                <a:spcPts val="0"/>
-              </a:spcBef>
-              <a:spcAft>
-                <a:spcPts val="0"/>
-              </a:spcAft>
-              <a:buNone/>
-            </a:pPr>
-            <a:endParaRPr/>
-          </a:p>
-        </p:txBody>
-      </p:sp>
-    </p:spTree>
-  </p:cSld>
-  <p:clrMapOvr>
-    <a:masterClrMapping/>
-  </p:clrMapOvr>
-</p:notes>
-</file>
-
-<file path=ppt/notesSlides/notesSlide9.xml><?xml version="1.0" encoding="utf-8"?>
-<p:notes xmlns:a="http://schemas.openxmlformats.org/drawingml/2006/main" xmlns:r="http://schemas.openxmlformats.org/officeDocument/2006/relationships" xmlns:p="http://schemas.openxmlformats.org/presentationml/2006/main" showMasterSp="0" showMasterPhAnim="0">
-  <p:cSld>
-    <p:spTree>
-      <p:nvGrpSpPr>
-        <p:cNvPr id="1" name="Shape 159"/>
-        <p:cNvGrpSpPr/>
-        <p:nvPr/>
-      </p:nvGrpSpPr>
-      <p:grpSpPr>
-        <a:xfrm>
-          <a:off x="0" y="0"/>
-          <a:ext cx="0" cy="0"/>
-          <a:chOff x="0" y="0"/>
-          <a:chExt cx="0" cy="0"/>
-        </a:xfrm>
-      </p:grpSpPr>
-      <p:sp>
-        <p:nvSpPr>
-          <p:cNvPr id="160" name="Google Shape;160;g5875f45dcb_1_23:notes"/>
-          <p:cNvSpPr>
-            <a:spLocks noGrp="1" noRot="1" noChangeAspect="1"/>
-          </p:cNvSpPr>
-          <p:nvPr>
-            <p:ph type="sldImg" idx="2"/>
-          </p:nvPr>
-        </p:nvSpPr>
-        <p:spPr>
-          <a:xfrm>
-            <a:off x="381000" y="685800"/>
-            <a:ext cx="6096000" cy="3429000"/>
-          </a:xfrm>
-          <a:custGeom>
-            <a:avLst/>
-            <a:gdLst/>
-            <a:ahLst/>
-            <a:cxnLst/>
-            <a:rect l="l" t="t" r="r" b="b"/>
-            <a:pathLst>
-              <a:path w="120000" h="120000" extrusionOk="0">
-                <a:moveTo>
-                  <a:pt x="0" y="0"/>
-                </a:moveTo>
-                <a:lnTo>
-                  <a:pt x="120000" y="0"/>
-                </a:lnTo>
-                <a:lnTo>
-                  <a:pt x="120000" y="120000"/>
-                </a:lnTo>
-                <a:lnTo>
-                  <a:pt x="0" y="120000"/>
-                </a:lnTo>
-                <a:close/>
-              </a:path>
-            </a:pathLst>
-          </a:custGeom>
-        </p:spPr>
-      </p:sp>
-      <p:sp>
-        <p:nvSpPr>
-          <p:cNvPr id="161" name="Google Shape;161;g5875f45dcb_1_23:notes"/>
           <p:cNvSpPr txBox="1">
             <a:spLocks noGrp="1"/>
           </p:cNvSpPr>
@@ -3112,7 +3008,7 @@
             <a:fld id="{9E937E72-11F5-44A2-9DC0-74EEC05A6D21}" type="slidenum">
               <a:rPr lang="en-US" smtClean="0"/>
               <a:pPr/>
-              <a:t>‹#›</a:t>
+              <a:t>‹N°›</a:t>
             </a:fld>
             <a:endParaRPr lang="en-US" dirty="0"/>
           </a:p>
@@ -3564,7 +3460,7 @@
             <a:fld id="{9E937E72-11F5-44A2-9DC0-74EEC05A6D21}" type="slidenum">
               <a:rPr lang="en-US" smtClean="0"/>
               <a:pPr/>
-              <a:t>‹#›</a:t>
+              <a:t>‹N°›</a:t>
             </a:fld>
             <a:endParaRPr lang="en-US" dirty="0"/>
           </a:p>
@@ -5885,7 +5781,7 @@
             <a:fld id="{00000000-1234-1234-1234-123412341234}" type="slidenum">
               <a:rPr lang="fr" smtClean="0"/>
               <a:pPr/>
-              <a:t>‹#›</a:t>
+              <a:t>‹N°›</a:t>
             </a:fld>
             <a:endParaRPr lang="fr"/>
           </a:p>
@@ -6708,8 +6604,8 @@
         </p:nvSpPr>
         <p:spPr>
           <a:xfrm>
-            <a:off x="1519238" y="4873884"/>
-            <a:ext cx="6515100" cy="1658086"/>
+            <a:off x="1403781" y="4621021"/>
+            <a:ext cx="6515100" cy="2075053"/>
           </a:xfrm>
         </p:spPr>
         <p:txBody>
@@ -6730,6 +6626,19 @@
             <a:r>
               <a:rPr lang="fr-FR" dirty="0"/>
               <a:t>Link Budget Breakdown</a:t>
+            </a:r>
+          </a:p>
+          <a:p>
+            <a:r>
+              <a:rPr lang="fr-FR" dirty="0" err="1"/>
+              <a:t>Losses</a:t>
+            </a:r>
+            <a:endParaRPr lang="fr-FR" dirty="0"/>
+          </a:p>
+          <a:p>
+            <a:r>
+              <a:rPr lang="fr-FR" dirty="0"/>
+              <a:t>Components</a:t>
             </a:r>
           </a:p>
         </p:txBody>
@@ -6799,7 +6708,7 @@
   <p:cSld>
     <p:spTree>
       <p:nvGrpSpPr>
-        <p:cNvPr id="1" name="Shape 162"/>
+        <p:cNvPr id="1" name=""/>
         <p:cNvGrpSpPr/>
         <p:nvPr/>
       </p:nvGrpSpPr>
@@ -6813,37 +6722,43 @@
       </p:grpSpPr>
       <p:sp>
         <p:nvSpPr>
-          <p:cNvPr id="163" name="Google Shape;163;p25"/>
-          <p:cNvSpPr txBox="1">
+          <p:cNvPr id="2" name="Titre 1">
+            <a:extLst>
+              <a:ext uri="{FF2B5EF4-FFF2-40B4-BE49-F238E27FC236}">
+                <a16:creationId xmlns:a16="http://schemas.microsoft.com/office/drawing/2014/main" id="{BBD8A649-722F-42A9-932B-5B0022DA66EF}"/>
+              </a:ext>
+            </a:extLst>
+          </p:cNvPr>
+          <p:cNvSpPr>
             <a:spLocks noGrp="1"/>
           </p:cNvSpPr>
           <p:nvPr>
             <p:ph type="ctrTitle"/>
           </p:nvPr>
         </p:nvSpPr>
-        <p:spPr>
-          <a:prstGeom prst="rect">
-            <a:avLst/>
-          </a:prstGeom>
-        </p:spPr>
+        <p:spPr/>
         <p:txBody>
-          <a:bodyPr spcFirstLastPara="1" wrap="square" lIns="91433" tIns="45700" rIns="91433" bIns="45700" anchor="ctr" anchorCtr="0">
-            <a:noAutofit/>
-          </a:bodyPr>
+          <a:bodyPr/>
           <a:lstStyle/>
           <a:p>
-            <a:r>
-              <a:rPr lang="fr" dirty="0"/>
-              <a:t>Ground stations Antenna </a:t>
-            </a:r>
-            <a:endParaRPr dirty="0"/>
+            <a:pPr algn="l"/>
+            <a:r>
+              <a:rPr lang="fr-FR" dirty="0"/>
+              <a:t>Conclusion</a:t>
+            </a:r>
           </a:p>
         </p:txBody>
       </p:sp>
       <p:sp>
         <p:nvSpPr>
-          <p:cNvPr id="164" name="Google Shape;164;p25"/>
-          <p:cNvSpPr txBox="1">
+          <p:cNvPr id="3" name="Sous-titre 2">
+            <a:extLst>
+              <a:ext uri="{FF2B5EF4-FFF2-40B4-BE49-F238E27FC236}">
+                <a16:creationId xmlns:a16="http://schemas.microsoft.com/office/drawing/2014/main" id="{6ECABFD6-B7B9-4BB0-A921-94DF10DE61D4}"/>
+              </a:ext>
+            </a:extLst>
+          </p:cNvPr>
+          <p:cNvSpPr>
             <a:spLocks noGrp="1"/>
           </p:cNvSpPr>
           <p:nvPr>
@@ -6852,57 +6767,152 @@
         </p:nvSpPr>
         <p:spPr>
           <a:xfrm>
-            <a:off x="6311802" y="2193922"/>
-            <a:ext cx="5551335" cy="2804903"/>
+            <a:off x="187728" y="1487903"/>
+            <a:ext cx="9144000" cy="4408071"/>
           </a:xfrm>
-          <a:prstGeom prst="rect">
-            <a:avLst/>
-          </a:prstGeom>
         </p:spPr>
         <p:txBody>
-          <a:bodyPr spcFirstLastPara="1" wrap="square" lIns="91433" tIns="45700" rIns="91433" bIns="45700" anchor="t" anchorCtr="0">
-            <a:noAutofit/>
-          </a:bodyPr>
+          <a:bodyPr/>
           <a:lstStyle/>
           <a:p>
-            <a:pPr marL="0" indent="0" algn="l"/>
-            <a:r>
-              <a:rPr lang="fr"/>
-              <a:t>Supaero and Kourou : Yagi Antenna</a:t>
-            </a:r>
-            <a:endParaRPr/>
-          </a:p>
-          <a:p>
-            <a:pPr marL="609585" indent="-457189" algn="l">
-              <a:buChar char="-"/>
+            <a:pPr marL="342900" indent="-342900" algn="l">
+              <a:buFont typeface="Arial" panose="020B0604020202020204" pitchFamily="34" charset="0"/>
+              <a:buChar char="•"/>
             </a:pPr>
             <a:r>
-              <a:rPr lang="fr"/>
-              <a:t>Multiband antenna </a:t>
-            </a:r>
-            <a:endParaRPr/>
-          </a:p>
-          <a:p>
-            <a:pPr marL="609585" indent="-457189" algn="l">
-              <a:spcBef>
-                <a:spcPts val="0"/>
-              </a:spcBef>
-              <a:buChar char="-"/>
+              <a:rPr lang="fr-FR" dirty="0"/>
+              <a:t>Link </a:t>
+            </a:r>
+            <a:r>
+              <a:rPr lang="fr-FR" dirty="0" err="1"/>
+              <a:t>Margin</a:t>
+            </a:r>
+            <a:endParaRPr lang="fr-FR" dirty="0"/>
+          </a:p>
+          <a:p>
+            <a:pPr marL="800100" lvl="1" indent="-342900" algn="l">
+              <a:buFont typeface="Arial" panose="020B0604020202020204" pitchFamily="34" charset="0"/>
+              <a:buChar char="•"/>
             </a:pPr>
             <a:r>
-              <a:rPr lang="fr"/>
-              <a:t>Radioamateur bands  </a:t>
-            </a:r>
-            <a:endParaRPr/>
+              <a:rPr lang="fr-FR" dirty="0"/>
+              <a:t>Kourou -&gt; </a:t>
+            </a:r>
+            <a:r>
+              <a:rPr lang="fr-FR" dirty="0" err="1"/>
+              <a:t>ToloSat</a:t>
+            </a:r>
+            <a:r>
+              <a:rPr lang="fr-FR" dirty="0"/>
+              <a:t> : 46.6 dB</a:t>
+            </a:r>
+          </a:p>
+          <a:p>
+            <a:pPr marL="800100" lvl="1" indent="-342900" algn="l">
+              <a:buFont typeface="Arial" panose="020B0604020202020204" pitchFamily="34" charset="0"/>
+              <a:buChar char="•"/>
+            </a:pPr>
+            <a:r>
+              <a:rPr lang="fr-FR" dirty="0" err="1"/>
+              <a:t>Supaero</a:t>
+            </a:r>
+            <a:r>
+              <a:rPr lang="fr-FR" dirty="0"/>
+              <a:t> -&gt; </a:t>
+            </a:r>
+            <a:r>
+              <a:rPr lang="fr-FR" dirty="0" err="1"/>
+              <a:t>ToloSat</a:t>
+            </a:r>
+            <a:r>
+              <a:rPr lang="fr-FR" dirty="0"/>
+              <a:t> : 38.6 dB</a:t>
+            </a:r>
+          </a:p>
+          <a:p>
+            <a:pPr marL="800100" lvl="1" indent="-342900" algn="l">
+              <a:buFont typeface="Arial" panose="020B0604020202020204" pitchFamily="34" charset="0"/>
+              <a:buChar char="•"/>
+            </a:pPr>
+            <a:r>
+              <a:rPr lang="fr-FR" dirty="0" err="1"/>
+              <a:t>ToloSat</a:t>
+            </a:r>
+            <a:r>
+              <a:rPr lang="fr-FR" dirty="0"/>
+              <a:t> -&gt; Ground Station : 20.1 dB</a:t>
+            </a:r>
+          </a:p>
+          <a:p>
+            <a:pPr lvl="1" algn="l"/>
+            <a:endParaRPr lang="fr-FR" dirty="0"/>
+          </a:p>
+          <a:p>
+            <a:pPr marL="342900" indent="-342900" algn="l">
+              <a:buFont typeface="Arial" panose="020B0604020202020204" pitchFamily="34" charset="0"/>
+              <a:buChar char="•"/>
+            </a:pPr>
+            <a:endParaRPr lang="fr-FR" dirty="0"/>
+          </a:p>
+          <a:p>
+            <a:pPr marL="342900" indent="-342900" algn="l">
+              <a:buFont typeface="Arial" panose="020B0604020202020204" pitchFamily="34" charset="0"/>
+              <a:buChar char="•"/>
+            </a:pPr>
+            <a:endParaRPr lang="fr-FR" dirty="0"/>
+          </a:p>
+          <a:p>
+            <a:pPr marL="342900" indent="-342900" algn="l">
+              <a:buFont typeface="Arial" panose="020B0604020202020204" pitchFamily="34" charset="0"/>
+              <a:buChar char="•"/>
+            </a:pPr>
+            <a:endParaRPr lang="fr-FR" dirty="0"/>
+          </a:p>
+          <a:p>
+            <a:pPr marL="342900" indent="-342900" algn="l">
+              <a:buFont typeface="Arial" panose="020B0604020202020204" pitchFamily="34" charset="0"/>
+              <a:buChar char="•"/>
+            </a:pPr>
+            <a:endParaRPr lang="fr-FR" dirty="0"/>
           </a:p>
         </p:txBody>
       </p:sp>
       <p:sp>
         <p:nvSpPr>
-          <p:cNvPr id="2" name="Text Placeholder 1">
+          <p:cNvPr id="4" name="Espace réservé du numéro de diapositive 3">
             <a:extLst>
               <a:ext uri="{FF2B5EF4-FFF2-40B4-BE49-F238E27FC236}">
-                <a16:creationId xmlns:a16="http://schemas.microsoft.com/office/drawing/2014/main" id="{4C3AC20E-7EC9-48BA-8552-82F9928DE4AF}"/>
+                <a16:creationId xmlns:a16="http://schemas.microsoft.com/office/drawing/2014/main" id="{2E0D06F5-0E76-42BE-A994-1E311081A225}"/>
+              </a:ext>
+            </a:extLst>
+          </p:cNvPr>
+          <p:cNvSpPr>
+            <a:spLocks noGrp="1"/>
+          </p:cNvSpPr>
+          <p:nvPr>
+            <p:ph type="sldNum" sz="quarter" idx="12"/>
+          </p:nvPr>
+        </p:nvSpPr>
+        <p:spPr/>
+        <p:txBody>
+          <a:bodyPr/>
+          <a:lstStyle/>
+          <a:p>
+            <a:fld id="{9E937E72-11F5-44A2-9DC0-74EEC05A6D21}" type="slidenum">
+              <a:rPr lang="en-US" smtClean="0"/>
+              <a:pPr/>
+              <a:t>10</a:t>
+            </a:fld>
+            <a:endParaRPr lang="en-US" dirty="0"/>
+          </a:p>
+        </p:txBody>
+      </p:sp>
+      <p:sp>
+        <p:nvSpPr>
+          <p:cNvPr id="5" name="Espace réservé du texte 4">
+            <a:extLst>
+              <a:ext uri="{FF2B5EF4-FFF2-40B4-BE49-F238E27FC236}">
+                <a16:creationId xmlns:a16="http://schemas.microsoft.com/office/drawing/2014/main" id="{5B62889E-BDD7-42CD-AB52-7618996BB00B}"/>
               </a:ext>
             </a:extLst>
           </p:cNvPr>
@@ -6913,50 +6923,120 @@
             <p:ph type="body" sz="quarter" idx="13"/>
           </p:nvPr>
         </p:nvSpPr>
-        <p:spPr/>
+        <p:spPr>
+          <a:xfrm>
+            <a:off x="166529" y="5963453"/>
+            <a:ext cx="5451475" cy="325701"/>
+          </a:xfrm>
+        </p:spPr>
         <p:txBody>
           <a:bodyPr/>
           <a:lstStyle/>
           <a:p>
             <a:r>
               <a:rPr lang="fr-FR" dirty="0"/>
-              <a:t>II. Link Budget Breakdown</a:t>
-            </a:r>
-          </a:p>
-          <a:p>
-            <a:endParaRPr lang="fr-FR" dirty="0"/>
+              <a:t>V. Conclusion</a:t>
+            </a:r>
           </a:p>
         </p:txBody>
       </p:sp>
-      <p:pic>
-        <p:nvPicPr>
-          <p:cNvPr id="166" name="Google Shape;166;p25"/>
-          <p:cNvPicPr preferRelativeResize="0"/>
+      <p:sp>
+        <p:nvSpPr>
+          <p:cNvPr id="7" name="Accolade fermante 6">
+            <a:extLst>
+              <a:ext uri="{FF2B5EF4-FFF2-40B4-BE49-F238E27FC236}">
+                <a16:creationId xmlns:a16="http://schemas.microsoft.com/office/drawing/2014/main" id="{79F1BE61-E0C6-472C-9FBC-C08FE0AB4648}"/>
+              </a:ext>
+            </a:extLst>
+          </p:cNvPr>
+          <p:cNvSpPr/>
           <p:nvPr/>
-        </p:nvPicPr>
-        <p:blipFill>
-          <a:blip r:embed="rId3">
-            <a:alphaModFix/>
-          </a:blip>
-          <a:stretch>
-            <a:fillRect/>
-          </a:stretch>
-        </p:blipFill>
+        </p:nvSpPr>
         <p:spPr>
           <a:xfrm>
-            <a:off x="615333" y="1526465"/>
-            <a:ext cx="5161800" cy="4325900"/>
+            <a:off x="5162550" y="1857375"/>
+            <a:ext cx="455454" cy="1057275"/>
+          </a:xfrm>
+          <a:prstGeom prst="rightBrace">
+            <a:avLst/>
+          </a:prstGeom>
+        </p:spPr>
+        <p:style>
+          <a:lnRef idx="1">
+            <a:schemeClr val="accent1"/>
+          </a:lnRef>
+          <a:fillRef idx="0">
+            <a:schemeClr val="accent1"/>
+          </a:fillRef>
+          <a:effectRef idx="0">
+            <a:schemeClr val="accent1"/>
+          </a:effectRef>
+          <a:fontRef idx="minor">
+            <a:schemeClr val="tx1"/>
+          </a:fontRef>
+        </p:style>
+        <p:txBody>
+          <a:bodyPr rtlCol="0" anchor="ctr"/>
+          <a:lstStyle/>
+          <a:p>
+            <a:pPr algn="ctr"/>
+            <a:endParaRPr lang="fr-FR"/>
+          </a:p>
+        </p:txBody>
+      </p:sp>
+      <p:sp>
+        <p:nvSpPr>
+          <p:cNvPr id="8" name="ZoneTexte 7">
+            <a:extLst>
+              <a:ext uri="{FF2B5EF4-FFF2-40B4-BE49-F238E27FC236}">
+                <a16:creationId xmlns:a16="http://schemas.microsoft.com/office/drawing/2014/main" id="{EB57F03B-7636-440A-806D-183E88EA3A01}"/>
+              </a:ext>
+            </a:extLst>
+          </p:cNvPr>
+          <p:cNvSpPr txBox="1"/>
+          <p:nvPr/>
+        </p:nvSpPr>
+        <p:spPr>
+          <a:xfrm>
+            <a:off x="5953125" y="2114550"/>
+            <a:ext cx="2495550" cy="369332"/>
           </a:xfrm>
           <a:prstGeom prst="rect">
             <a:avLst/>
           </a:prstGeom>
           <a:noFill/>
-          <a:ln>
-            <a:noFill/>
-          </a:ln>
-        </p:spPr>
-      </p:pic>
+        </p:spPr>
+        <p:txBody>
+          <a:bodyPr wrap="square" rtlCol="0">
+            <a:spAutoFit/>
+          </a:bodyPr>
+          <a:lstStyle/>
+          <a:p>
+            <a:r>
+              <a:rPr lang="fr-FR" dirty="0" err="1"/>
+              <a:t>With</a:t>
+            </a:r>
+            <a:r>
+              <a:rPr lang="fr-FR" dirty="0"/>
+              <a:t> </a:t>
+            </a:r>
+            <a:r>
+              <a:rPr lang="fr-FR" dirty="0" err="1"/>
+              <a:t>error</a:t>
+            </a:r>
+            <a:r>
+              <a:rPr lang="fr-FR" dirty="0"/>
+              <a:t> : +/- 3dB</a:t>
+            </a:r>
+          </a:p>
+        </p:txBody>
+      </p:sp>
     </p:spTree>
+    <p:extLst>
+      <p:ext uri="{BB962C8B-B14F-4D97-AF65-F5344CB8AC3E}">
+        <p14:creationId xmlns:p14="http://schemas.microsoft.com/office/powerpoint/2010/main" val="2735874712"/>
+      </p:ext>
+    </p:extLst>
   </p:cSld>
   <p:clrMapOvr>
     <a:masterClrMapping/>
@@ -7094,194 +7174,6 @@
   <p:cSld>
     <p:spTree>
       <p:nvGrpSpPr>
-        <p:cNvPr id="1" name="Shape 87"/>
-        <p:cNvGrpSpPr/>
-        <p:nvPr/>
-      </p:nvGrpSpPr>
-      <p:grpSpPr>
-        <a:xfrm>
-          <a:off x="0" y="0"/>
-          <a:ext cx="0" cy="0"/>
-          <a:chOff x="0" y="0"/>
-          <a:chExt cx="0" cy="0"/>
-        </a:xfrm>
-      </p:grpSpPr>
-      <p:sp>
-        <p:nvSpPr>
-          <p:cNvPr id="88" name="Google Shape;88;p17"/>
-          <p:cNvSpPr txBox="1">
-            <a:spLocks noGrp="1"/>
-          </p:cNvSpPr>
-          <p:nvPr>
-            <p:ph type="ctrTitle"/>
-          </p:nvPr>
-        </p:nvSpPr>
-        <p:spPr>
-          <a:prstGeom prst="rect">
-            <a:avLst/>
-          </a:prstGeom>
-        </p:spPr>
-        <p:txBody>
-          <a:bodyPr spcFirstLastPara="1" wrap="square" lIns="91433" tIns="45700" rIns="91433" bIns="45700" anchor="ctr" anchorCtr="0">
-            <a:noAutofit/>
-          </a:bodyPr>
-          <a:lstStyle/>
-          <a:p>
-            <a:r>
-              <a:rPr lang="fr"/>
-              <a:t>Content</a:t>
-            </a:r>
-            <a:endParaRPr/>
-          </a:p>
-        </p:txBody>
-      </p:sp>
-      <p:sp>
-        <p:nvSpPr>
-          <p:cNvPr id="89" name="Google Shape;89;p17"/>
-          <p:cNvSpPr txBox="1">
-            <a:spLocks noGrp="1"/>
-          </p:cNvSpPr>
-          <p:nvPr>
-            <p:ph type="subTitle" idx="1"/>
-          </p:nvPr>
-        </p:nvSpPr>
-        <p:spPr>
-          <a:prstGeom prst="rect">
-            <a:avLst/>
-          </a:prstGeom>
-        </p:spPr>
-        <p:txBody>
-          <a:bodyPr spcFirstLastPara="1" wrap="square" lIns="91433" tIns="45700" rIns="91433" bIns="45700" anchor="t" anchorCtr="0">
-            <a:noAutofit/>
-          </a:bodyPr>
-          <a:lstStyle/>
-          <a:p>
-            <a:pPr marL="609585" indent="-457189" algn="l">
-              <a:buClr>
-                <a:srgbClr val="000000"/>
-              </a:buClr>
-              <a:buAutoNum type="arabicPeriod"/>
-            </a:pPr>
-            <a:r>
-              <a:rPr lang="fr" dirty="0">
-                <a:solidFill>
-                  <a:srgbClr val="000000"/>
-                </a:solidFill>
-              </a:rPr>
-              <a:t>Frequency Selection</a:t>
-            </a:r>
-            <a:endParaRPr dirty="0">
-              <a:solidFill>
-                <a:srgbClr val="000000"/>
-              </a:solidFill>
-            </a:endParaRPr>
-          </a:p>
-          <a:p>
-            <a:pPr marL="609585" indent="0" algn="l"/>
-            <a:endParaRPr dirty="0">
-              <a:solidFill>
-                <a:srgbClr val="000000"/>
-              </a:solidFill>
-            </a:endParaRPr>
-          </a:p>
-          <a:p>
-            <a:pPr marL="609585" indent="-457189" algn="l">
-              <a:buClr>
-                <a:srgbClr val="000000"/>
-              </a:buClr>
-              <a:buAutoNum type="arabicPeriod"/>
-            </a:pPr>
-            <a:r>
-              <a:rPr lang="fr" dirty="0">
-                <a:solidFill>
-                  <a:srgbClr val="000000"/>
-                </a:solidFill>
-              </a:rPr>
-              <a:t>Link Budget Breakdown</a:t>
-            </a:r>
-            <a:endParaRPr dirty="0">
-              <a:solidFill>
-                <a:srgbClr val="000000"/>
-              </a:solidFill>
-            </a:endParaRPr>
-          </a:p>
-          <a:p>
-            <a:pPr marL="1828754" indent="0" algn="l"/>
-            <a:r>
-              <a:rPr lang="fr" dirty="0">
-                <a:solidFill>
-                  <a:srgbClr val="000000"/>
-                </a:solidFill>
-              </a:rPr>
-              <a:t>2.1 Uplink (Kourou + Supaero)</a:t>
-            </a:r>
-            <a:endParaRPr dirty="0">
-              <a:solidFill>
-                <a:srgbClr val="000000"/>
-              </a:solidFill>
-            </a:endParaRPr>
-          </a:p>
-          <a:p>
-            <a:pPr marL="1828754" indent="0" algn="l"/>
-            <a:r>
-              <a:rPr lang="fr" dirty="0">
-                <a:solidFill>
-                  <a:srgbClr val="000000"/>
-                </a:solidFill>
-              </a:rPr>
-              <a:t>2.2 Downlink</a:t>
-            </a:r>
-            <a:endParaRPr dirty="0">
-              <a:solidFill>
-                <a:srgbClr val="000000"/>
-              </a:solidFill>
-            </a:endParaRPr>
-          </a:p>
-        </p:txBody>
-      </p:sp>
-      <p:sp>
-        <p:nvSpPr>
-          <p:cNvPr id="90" name="Google Shape;90;p17"/>
-          <p:cNvSpPr txBox="1">
-            <a:spLocks noGrp="1"/>
-          </p:cNvSpPr>
-          <p:nvPr>
-            <p:ph type="body" sz="quarter" idx="13"/>
-          </p:nvPr>
-        </p:nvSpPr>
-        <p:spPr>
-          <a:prstGeom prst="rect">
-            <a:avLst/>
-          </a:prstGeom>
-        </p:spPr>
-        <p:txBody>
-          <a:bodyPr spcFirstLastPara="1" wrap="square" lIns="91433" tIns="45700" rIns="91433" bIns="45700" anchor="ctr" anchorCtr="0">
-            <a:noAutofit/>
-          </a:bodyPr>
-          <a:lstStyle/>
-          <a:p>
-            <a:pPr marL="0" indent="0" algn="r"/>
-            <a:r>
-              <a:rPr lang="fr"/>
-              <a:t>ToloSat</a:t>
-            </a:r>
-            <a:endParaRPr/>
-          </a:p>
-        </p:txBody>
-      </p:sp>
-    </p:spTree>
-  </p:cSld>
-  <p:clrMapOvr>
-    <a:masterClrMapping/>
-  </p:clrMapOvr>
-</p:sld>
-</file>
-
-<file path=ppt/slides/slide3.xml><?xml version="1.0" encoding="utf-8"?>
-<p:sld xmlns:a="http://schemas.openxmlformats.org/drawingml/2006/main" xmlns:r="http://schemas.openxmlformats.org/officeDocument/2006/relationships" xmlns:p="http://schemas.openxmlformats.org/presentationml/2006/main">
-  <p:cSld>
-    <p:spTree>
-      <p:nvGrpSpPr>
         <p:cNvPr id="1" name="Shape 94"/>
         <p:cNvGrpSpPr/>
         <p:nvPr/>
@@ -7334,6 +7226,10 @@
           </p:nvPr>
         </p:nvSpPr>
         <p:spPr>
+          <a:xfrm>
+            <a:off x="187728" y="1487904"/>
+            <a:ext cx="9144000" cy="2179222"/>
+          </a:xfrm>
           <a:prstGeom prst="rect">
             <a:avLst/>
           </a:prstGeom>
@@ -7351,46 +7247,124 @@
               <a:buAutoNum type="arabicPeriod"/>
             </a:pPr>
             <a:r>
+              <a:rPr lang="fr-FR" dirty="0" err="1">
+                <a:solidFill>
+                  <a:srgbClr val="000000"/>
+                </a:solidFill>
+              </a:rPr>
+              <a:t>Uplink</a:t>
+            </a:r>
+            <a:r>
+              <a:rPr lang="fr-FR" dirty="0">
+                <a:solidFill>
+                  <a:srgbClr val="000000"/>
+                </a:solidFill>
+              </a:rPr>
+              <a:t> Frequency: 145.8 MHz (VHF range 144 -146MHz)</a:t>
+            </a:r>
+            <a:br>
               <a:rPr lang="fr" dirty="0">
                 <a:solidFill>
                   <a:srgbClr val="000000"/>
                 </a:solidFill>
               </a:rPr>
-              <a:t>Uplink Frequency: 145.8 MHz (VHF range 144 -146MHz) </a:t>
-            </a:r>
-            <a:endParaRPr dirty="0">
-              <a:solidFill>
-                <a:srgbClr val="000000"/>
-              </a:solidFill>
-            </a:endParaRPr>
-          </a:p>
-          <a:p>
-            <a:pPr marL="609585" indent="0" algn="l"/>
+            </a:br>
             <a:r>
               <a:rPr lang="fr" dirty="0">
                 <a:solidFill>
                   <a:srgbClr val="000000"/>
                 </a:solidFill>
               </a:rPr>
-              <a:t>				Amateur Radio 2 meter band</a:t>
-            </a:r>
-            <a:endParaRPr dirty="0">
-              <a:solidFill>
-                <a:srgbClr val="000000"/>
-              </a:solidFill>
-            </a:endParaRPr>
-          </a:p>
-          <a:p>
-            <a:pPr marL="609585" indent="0" algn="l"/>
-            <a:r>
-              <a:rPr lang="fr" dirty="0">
+              <a:t>				</a:t>
+            </a:r>
+            <a:r>
+              <a:rPr lang="fr-FR" dirty="0">
                 <a:solidFill>
                   <a:srgbClr val="000000"/>
                 </a:solidFill>
               </a:rPr>
-              <a:t>				(ITU Region 1: Europe, Russia, Africa)</a:t>
-            </a:r>
-            <a:endParaRPr dirty="0">
+              <a:t>Amateur Radio 2 </a:t>
+            </a:r>
+            <a:r>
+              <a:rPr lang="fr-FR" dirty="0" err="1">
+                <a:solidFill>
+                  <a:srgbClr val="000000"/>
+                </a:solidFill>
+              </a:rPr>
+              <a:t>meter</a:t>
+            </a:r>
+            <a:r>
+              <a:rPr lang="fr-FR" dirty="0">
+                <a:solidFill>
+                  <a:srgbClr val="000000"/>
+                </a:solidFill>
+              </a:rPr>
+              <a:t> band</a:t>
+            </a:r>
+            <a:br>
+              <a:rPr lang="fr-FR" dirty="0">
+                <a:solidFill>
+                  <a:srgbClr val="000000"/>
+                </a:solidFill>
+              </a:rPr>
+            </a:br>
+            <a:r>
+              <a:rPr lang="fr-FR" dirty="0">
+                <a:solidFill>
+                  <a:srgbClr val="000000"/>
+                </a:solidFill>
+              </a:rPr>
+              <a:t>				(ITU </a:t>
+            </a:r>
+            <a:r>
+              <a:rPr lang="fr-FR" dirty="0" err="1">
+                <a:solidFill>
+                  <a:srgbClr val="000000"/>
+                </a:solidFill>
+              </a:rPr>
+              <a:t>Region</a:t>
+            </a:r>
+            <a:r>
+              <a:rPr lang="fr-FR" dirty="0">
+                <a:solidFill>
+                  <a:srgbClr val="000000"/>
+                </a:solidFill>
+              </a:rPr>
+              <a:t> :Europe, </a:t>
+            </a:r>
+            <a:r>
+              <a:rPr lang="fr-FR" dirty="0" err="1">
+                <a:solidFill>
+                  <a:srgbClr val="000000"/>
+                </a:solidFill>
+              </a:rPr>
+              <a:t>Russia</a:t>
+            </a:r>
+            <a:r>
+              <a:rPr lang="fr-FR" dirty="0">
+                <a:solidFill>
+                  <a:srgbClr val="000000"/>
+                </a:solidFill>
+              </a:rPr>
+              <a:t>, </a:t>
+            </a:r>
+            <a:r>
+              <a:rPr lang="fr-FR" dirty="0" err="1">
+                <a:solidFill>
+                  <a:srgbClr val="000000"/>
+                </a:solidFill>
+              </a:rPr>
+              <a:t>Africa</a:t>
+            </a:r>
+            <a:r>
+              <a:rPr lang="fr-FR" dirty="0">
+                <a:solidFill>
+                  <a:srgbClr val="000000"/>
+                </a:solidFill>
+              </a:rPr>
+              <a:t>) </a:t>
+            </a:r>
+            <a:endParaRPr lang="en-US" dirty="0">
               <a:solidFill>
                 <a:srgbClr val="000000"/>
               </a:solidFill>
@@ -7404,18 +7378,13 @@
               <a:buAutoNum type="arabicPeriod"/>
             </a:pPr>
             <a:r>
-              <a:rPr lang="fr" dirty="0">
+              <a:rPr lang="en-US" dirty="0">
                 <a:solidFill>
                   <a:srgbClr val="000000"/>
                 </a:solidFill>
               </a:rPr>
               <a:t>Downlink Frequency: 437.45 MHz (UHF range 430 to 438MHz)</a:t>
             </a:r>
-            <a:endParaRPr dirty="0">
-              <a:solidFill>
-                <a:srgbClr val="000000"/>
-              </a:solidFill>
-            </a:endParaRPr>
           </a:p>
           <a:p>
             <a:pPr marL="0" indent="0" algn="l"/>
@@ -7561,7 +7530,7 @@
 </p:sld>
 </file>
 
-<file path=ppt/slides/slide4.xml><?xml version="1.0" encoding="utf-8"?>
+<file path=ppt/slides/slide3.xml><?xml version="1.0" encoding="utf-8"?>
 <p:sld xmlns:a="http://schemas.openxmlformats.org/drawingml/2006/main" xmlns:r="http://schemas.openxmlformats.org/officeDocument/2006/relationships" xmlns:p="http://schemas.openxmlformats.org/presentationml/2006/main">
   <p:cSld>
     <p:spTree>
@@ -9281,7 +9250,7 @@
 </p:sld>
 </file>
 
-<file path=ppt/slides/slide5.xml><?xml version="1.0" encoding="utf-8"?>
+<file path=ppt/slides/slide4.xml><?xml version="1.0" encoding="utf-8"?>
 <p:sld xmlns:a="http://schemas.openxmlformats.org/drawingml/2006/main" xmlns:r="http://schemas.openxmlformats.org/officeDocument/2006/relationships" xmlns:p="http://schemas.openxmlformats.org/presentationml/2006/main">
   <p:cSld>
     <p:spTree>
@@ -10301,7 +10270,7 @@
 </p:sld>
 </file>
 
-<file path=ppt/slides/slide6.xml><?xml version="1.0" encoding="utf-8"?>
+<file path=ppt/slides/slide5.xml><?xml version="1.0" encoding="utf-8"?>
 <p:sld xmlns:a="http://schemas.openxmlformats.org/drawingml/2006/main" xmlns:r="http://schemas.openxmlformats.org/officeDocument/2006/relationships" xmlns:p="http://schemas.openxmlformats.org/presentationml/2006/main">
   <p:cSld>
     <p:spTree>
@@ -10359,8 +10328,8 @@
         </p:nvSpPr>
         <p:spPr>
           <a:xfrm>
-            <a:off x="187728" y="1487904"/>
-            <a:ext cx="9822546" cy="3757864"/>
+            <a:off x="1378353" y="1550068"/>
+            <a:ext cx="5612997" cy="3757864"/>
           </a:xfrm>
           <a:prstGeom prst="rect">
             <a:avLst/>
@@ -10372,7 +10341,7 @@
           </a:bodyPr>
           <a:lstStyle/>
           <a:p>
-            <a:pPr marL="0" indent="0"/>
+            <a:pPr marL="0" indent="0" algn="l"/>
             <a:r>
               <a:rPr lang="fr" dirty="0"/>
               <a:t>Atmospheric Losses : </a:t>
@@ -10380,7 +10349,7 @@
             <a:endParaRPr dirty="0"/>
           </a:p>
           <a:p>
-            <a:pPr marL="609585" indent="-457189">
+            <a:pPr marL="609585" indent="-457189" algn="l">
               <a:buChar char="-"/>
             </a:pPr>
             <a:r>
@@ -10390,7 +10359,7 @@
             <a:endParaRPr dirty="0"/>
           </a:p>
           <a:p>
-            <a:pPr marL="609585" indent="-457189">
+            <a:pPr marL="609585" indent="-457189" algn="l">
               <a:spcBef>
                 <a:spcPts val="0"/>
               </a:spcBef>
@@ -10403,11 +10372,11 @@
             <a:endParaRPr dirty="0"/>
           </a:p>
           <a:p>
-            <a:pPr marL="609585" indent="0"/>
+            <a:pPr marL="609585" indent="0" algn="l"/>
             <a:endParaRPr dirty="0"/>
           </a:p>
           <a:p>
-            <a:pPr marL="0" indent="0"/>
+            <a:pPr marL="0" indent="0" algn="l"/>
             <a:r>
               <a:rPr lang="fr" dirty="0"/>
               <a:t>Ionospheric Losses : </a:t>
@@ -10415,7 +10384,7 @@
             <a:endParaRPr dirty="0"/>
           </a:p>
           <a:p>
-            <a:pPr marL="609585" indent="-457189">
+            <a:pPr marL="609585" indent="-457189" algn="l">
               <a:buChar char="-"/>
             </a:pPr>
             <a:r>
@@ -10425,7 +10394,7 @@
             <a:endParaRPr dirty="0"/>
           </a:p>
           <a:p>
-            <a:pPr marL="609585" indent="-457189">
+            <a:pPr marL="609585" indent="-457189" algn="l">
               <a:spcBef>
                 <a:spcPts val="0"/>
               </a:spcBef>
@@ -10438,7 +10407,7 @@
             <a:endParaRPr dirty="0"/>
           </a:p>
           <a:p>
-            <a:pPr marL="609585" indent="-457189">
+            <a:pPr marL="609585" indent="-457189" algn="l">
               <a:spcBef>
                 <a:spcPts val="0"/>
               </a:spcBef>
@@ -10475,8 +10444,13 @@
           <a:p>
             <a:r>
               <a:rPr lang="fr-FR" dirty="0"/>
-              <a:t>II. Link Budget Breakdown</a:t>
-            </a:r>
+              <a:t>III. </a:t>
+            </a:r>
+            <a:r>
+              <a:rPr lang="fr-FR" dirty="0" err="1"/>
+              <a:t>Losses</a:t>
+            </a:r>
+            <a:endParaRPr lang="fr-FR" dirty="0"/>
           </a:p>
         </p:txBody>
       </p:sp>
@@ -10488,7 +10462,7 @@
 </p:sld>
 </file>
 
-<file path=ppt/slides/slide7.xml><?xml version="1.0" encoding="utf-8"?>
+<file path=ppt/slides/slide6.xml><?xml version="1.0" encoding="utf-8"?>
 <p:sld xmlns:a="http://schemas.openxmlformats.org/drawingml/2006/main" xmlns:r="http://schemas.openxmlformats.org/officeDocument/2006/relationships" xmlns:p="http://schemas.openxmlformats.org/presentationml/2006/main">
   <p:cSld>
     <p:spTree>
@@ -10653,7 +10627,7 @@
           <a:p>
             <a:r>
               <a:rPr lang="fr-FR" dirty="0"/>
-              <a:t>II. Link Budget Breakdown</a:t>
+              <a:t>IV. Components</a:t>
             </a:r>
           </a:p>
         </p:txBody>
@@ -10727,7 +10701,7 @@
 </p:sld>
 </file>
 
-<file path=ppt/slides/slide8.xml><?xml version="1.0" encoding="utf-8"?>
+<file path=ppt/slides/slide7.xml><?xml version="1.0" encoding="utf-8"?>
 <p:sld xmlns:a="http://schemas.openxmlformats.org/drawingml/2006/main" xmlns:r="http://schemas.openxmlformats.org/officeDocument/2006/relationships" xmlns:p="http://schemas.openxmlformats.org/presentationml/2006/main">
   <p:cSld>
     <p:spTree>
@@ -10755,6 +10729,10 @@
           </p:nvPr>
         </p:nvSpPr>
         <p:spPr>
+          <a:xfrm>
+            <a:off x="187727" y="252494"/>
+            <a:ext cx="8494508" cy="1129200"/>
+          </a:xfrm>
           <a:prstGeom prst="rect">
             <a:avLst/>
           </a:prstGeom>
@@ -10870,9 +10848,10 @@
           <a:lstStyle/>
           <a:p>
             <a:r>
-              <a:rPr lang="fr-FR" dirty="0"/>
-              <a:t>II. Link Budget Breakdown</a:t>
-            </a:r>
+              <a:rPr lang="fr-FR" dirty="0" err="1"/>
+              <a:t>IV.Components</a:t>
+            </a:r>
+            <a:endParaRPr lang="fr-FR" dirty="0"/>
           </a:p>
           <a:p>
             <a:endParaRPr lang="fr-FR" dirty="0"/>
@@ -10887,7 +10866,7 @@
 </p:sld>
 </file>
 
-<file path=ppt/slides/slide9.xml><?xml version="1.0" encoding="utf-8"?>
+<file path=ppt/slides/slide8.xml><?xml version="1.0" encoding="utf-8"?>
 <p:sld xmlns:a="http://schemas.openxmlformats.org/drawingml/2006/main" xmlns:r="http://schemas.openxmlformats.org/officeDocument/2006/relationships" xmlns:p="http://schemas.openxmlformats.org/presentationml/2006/main">
   <p:cSld>
     <p:spTree>
@@ -11045,8 +11024,8 @@
         </p:nvSpPr>
         <p:spPr>
           <a:xfrm>
-            <a:off x="312833" y="3825256"/>
-            <a:ext cx="5451475" cy="325701"/>
+            <a:off x="312833" y="3825255"/>
+            <a:ext cx="5451475" cy="2078719"/>
           </a:xfrm>
           <a:prstGeom prst="rect">
             <a:avLst/>
@@ -11062,10 +11041,10 @@
               <a:buChar char="-"/>
             </a:pPr>
             <a:r>
-              <a:rPr lang="fr" dirty="0"/>
+              <a:rPr lang="fr" sz="2400" dirty="0"/>
               <a:t>Works in UHF and VHF communications </a:t>
             </a:r>
-            <a:endParaRPr dirty="0"/>
+            <a:endParaRPr sz="2400" dirty="0"/>
           </a:p>
           <a:p>
             <a:pPr marL="609585" indent="-457189" algn="l">
@@ -11075,10 +11054,10 @@
               <a:buChar char="-"/>
             </a:pPr>
             <a:r>
-              <a:rPr lang="fr" dirty="0"/>
+              <a:rPr lang="fr" sz="2400" dirty="0"/>
               <a:t>Automated sequential deployment</a:t>
             </a:r>
-            <a:endParaRPr dirty="0"/>
+            <a:endParaRPr sz="2400" dirty="0"/>
           </a:p>
           <a:p>
             <a:pPr marL="609585" indent="-457189" algn="l">
@@ -11088,10 +11067,10 @@
               <a:buChar char="-"/>
             </a:pPr>
             <a:r>
-              <a:rPr lang="fr" dirty="0"/>
+              <a:rPr lang="fr" sz="2400" dirty="0"/>
               <a:t>Individual antenna element deployment </a:t>
             </a:r>
-            <a:endParaRPr dirty="0"/>
+            <a:endParaRPr sz="2400" dirty="0"/>
           </a:p>
         </p:txBody>
       </p:sp>
@@ -11343,7 +11322,7 @@
           <a:p>
             <a:r>
               <a:rPr lang="fr-FR" dirty="0"/>
-              <a:t>II. Link Budget Breakdown</a:t>
+              <a:t>IV. Components </a:t>
             </a:r>
           </a:p>
           <a:p>
@@ -11351,6 +11330,176 @@
           </a:p>
         </p:txBody>
       </p:sp>
+    </p:spTree>
+  </p:cSld>
+  <p:clrMapOvr>
+    <a:masterClrMapping/>
+  </p:clrMapOvr>
+</p:sld>
+</file>
+
+<file path=ppt/slides/slide9.xml><?xml version="1.0" encoding="utf-8"?>
+<p:sld xmlns:a="http://schemas.openxmlformats.org/drawingml/2006/main" xmlns:r="http://schemas.openxmlformats.org/officeDocument/2006/relationships" xmlns:p="http://schemas.openxmlformats.org/presentationml/2006/main">
+  <p:cSld>
+    <p:spTree>
+      <p:nvGrpSpPr>
+        <p:cNvPr id="1" name="Shape 162"/>
+        <p:cNvGrpSpPr/>
+        <p:nvPr/>
+      </p:nvGrpSpPr>
+      <p:grpSpPr>
+        <a:xfrm>
+          <a:off x="0" y="0"/>
+          <a:ext cx="0" cy="0"/>
+          <a:chOff x="0" y="0"/>
+          <a:chExt cx="0" cy="0"/>
+        </a:xfrm>
+      </p:grpSpPr>
+      <p:sp>
+        <p:nvSpPr>
+          <p:cNvPr id="163" name="Google Shape;163;p25"/>
+          <p:cNvSpPr txBox="1">
+            <a:spLocks noGrp="1"/>
+          </p:cNvSpPr>
+          <p:nvPr>
+            <p:ph type="ctrTitle"/>
+          </p:nvPr>
+        </p:nvSpPr>
+        <p:spPr>
+          <a:prstGeom prst="rect">
+            <a:avLst/>
+          </a:prstGeom>
+        </p:spPr>
+        <p:txBody>
+          <a:bodyPr spcFirstLastPara="1" wrap="square" lIns="91433" tIns="45700" rIns="91433" bIns="45700" anchor="ctr" anchorCtr="0">
+            <a:noAutofit/>
+          </a:bodyPr>
+          <a:lstStyle/>
+          <a:p>
+            <a:r>
+              <a:rPr lang="fr" dirty="0"/>
+              <a:t>Ground stations Antenna </a:t>
+            </a:r>
+            <a:endParaRPr dirty="0"/>
+          </a:p>
+        </p:txBody>
+      </p:sp>
+      <p:sp>
+        <p:nvSpPr>
+          <p:cNvPr id="164" name="Google Shape;164;p25"/>
+          <p:cNvSpPr txBox="1">
+            <a:spLocks noGrp="1"/>
+          </p:cNvSpPr>
+          <p:nvPr>
+            <p:ph type="subTitle" idx="1"/>
+          </p:nvPr>
+        </p:nvSpPr>
+        <p:spPr>
+          <a:xfrm>
+            <a:off x="6311802" y="2193922"/>
+            <a:ext cx="5551335" cy="2804903"/>
+          </a:xfrm>
+          <a:prstGeom prst="rect">
+            <a:avLst/>
+          </a:prstGeom>
+        </p:spPr>
+        <p:txBody>
+          <a:bodyPr spcFirstLastPara="1" wrap="square" lIns="91433" tIns="45700" rIns="91433" bIns="45700" anchor="t" anchorCtr="0">
+            <a:noAutofit/>
+          </a:bodyPr>
+          <a:lstStyle/>
+          <a:p>
+            <a:pPr marL="0" indent="0" algn="l"/>
+            <a:r>
+              <a:rPr lang="fr"/>
+              <a:t>Supaero and Kourou : Yagi Antenna</a:t>
+            </a:r>
+            <a:endParaRPr/>
+          </a:p>
+          <a:p>
+            <a:pPr marL="609585" indent="-457189" algn="l">
+              <a:buChar char="-"/>
+            </a:pPr>
+            <a:r>
+              <a:rPr lang="fr"/>
+              <a:t>Multiband antenna </a:t>
+            </a:r>
+            <a:endParaRPr/>
+          </a:p>
+          <a:p>
+            <a:pPr marL="609585" indent="-457189" algn="l">
+              <a:spcBef>
+                <a:spcPts val="0"/>
+              </a:spcBef>
+              <a:buChar char="-"/>
+            </a:pPr>
+            <a:r>
+              <a:rPr lang="fr"/>
+              <a:t>Radioamateur bands  </a:t>
+            </a:r>
+            <a:endParaRPr/>
+          </a:p>
+        </p:txBody>
+      </p:sp>
+      <p:sp>
+        <p:nvSpPr>
+          <p:cNvPr id="2" name="Text Placeholder 1">
+            <a:extLst>
+              <a:ext uri="{FF2B5EF4-FFF2-40B4-BE49-F238E27FC236}">
+                <a16:creationId xmlns:a16="http://schemas.microsoft.com/office/drawing/2014/main" id="{4C3AC20E-7EC9-48BA-8552-82F9928DE4AF}"/>
+              </a:ext>
+            </a:extLst>
+          </p:cNvPr>
+          <p:cNvSpPr>
+            <a:spLocks noGrp="1"/>
+          </p:cNvSpPr>
+          <p:nvPr>
+            <p:ph type="body" sz="quarter" idx="13"/>
+          </p:nvPr>
+        </p:nvSpPr>
+        <p:spPr/>
+        <p:txBody>
+          <a:bodyPr/>
+          <a:lstStyle/>
+          <a:p>
+            <a:r>
+              <a:rPr lang="fr-FR" dirty="0"/>
+              <a:t>IV. Components </a:t>
+            </a:r>
+          </a:p>
+          <a:p>
+            <a:endParaRPr lang="fr-FR" dirty="0"/>
+          </a:p>
+        </p:txBody>
+      </p:sp>
+      <p:pic>
+        <p:nvPicPr>
+          <p:cNvPr id="166" name="Google Shape;166;p25"/>
+          <p:cNvPicPr preferRelativeResize="0"/>
+          <p:nvPr/>
+        </p:nvPicPr>
+        <p:blipFill>
+          <a:blip r:embed="rId3">
+            <a:alphaModFix/>
+          </a:blip>
+          <a:stretch>
+            <a:fillRect/>
+          </a:stretch>
+        </p:blipFill>
+        <p:spPr>
+          <a:xfrm>
+            <a:off x="615333" y="1526465"/>
+            <a:ext cx="5161800" cy="4325900"/>
+          </a:xfrm>
+          <a:prstGeom prst="rect">
+            <a:avLst/>
+          </a:prstGeom>
+          <a:noFill/>
+          <a:ln>
+            <a:noFill/>
+          </a:ln>
+        </p:spPr>
+      </p:pic>
     </p:spTree>
   </p:cSld>
   <p:clrMapOvr>
